--- a/מצגת פרוייקט.pptx
+++ b/מצגת פרוייקט.pptx
@@ -8,24 +8,26 @@
     <p:sldId id="256" r:id="rId2"/>
     <p:sldId id="257" r:id="rId3"/>
     <p:sldId id="259" r:id="rId4"/>
-    <p:sldId id="260" r:id="rId5"/>
-    <p:sldId id="261" r:id="rId6"/>
-    <p:sldId id="262" r:id="rId7"/>
-    <p:sldId id="263" r:id="rId8"/>
-    <p:sldId id="264" r:id="rId9"/>
-    <p:sldId id="265" r:id="rId10"/>
-    <p:sldId id="266" r:id="rId11"/>
-    <p:sldId id="267" r:id="rId12"/>
-    <p:sldId id="268" r:id="rId13"/>
-    <p:sldId id="269" r:id="rId14"/>
-    <p:sldId id="270" r:id="rId15"/>
-    <p:sldId id="271" r:id="rId16"/>
-    <p:sldId id="272" r:id="rId17"/>
-    <p:sldId id="273" r:id="rId18"/>
-    <p:sldId id="276" r:id="rId19"/>
-    <p:sldId id="277" r:id="rId20"/>
-    <p:sldId id="274" r:id="rId21"/>
-    <p:sldId id="275" r:id="rId22"/>
+    <p:sldId id="278" r:id="rId5"/>
+    <p:sldId id="260" r:id="rId6"/>
+    <p:sldId id="261" r:id="rId7"/>
+    <p:sldId id="262" r:id="rId8"/>
+    <p:sldId id="263" r:id="rId9"/>
+    <p:sldId id="264" r:id="rId10"/>
+    <p:sldId id="265" r:id="rId11"/>
+    <p:sldId id="266" r:id="rId12"/>
+    <p:sldId id="267" r:id="rId13"/>
+    <p:sldId id="268" r:id="rId14"/>
+    <p:sldId id="269" r:id="rId15"/>
+    <p:sldId id="270" r:id="rId16"/>
+    <p:sldId id="271" r:id="rId17"/>
+    <p:sldId id="272" r:id="rId18"/>
+    <p:sldId id="273" r:id="rId19"/>
+    <p:sldId id="276" r:id="rId20"/>
+    <p:sldId id="279" r:id="rId21"/>
+    <p:sldId id="277" r:id="rId22"/>
+    <p:sldId id="274" r:id="rId23"/>
+    <p:sldId id="275" r:id="rId24"/>
   </p:sldIdLst>
   <p:sldSz cx="9144000" cy="6858000" type="screen4x3"/>
   <p:notesSz cx="6858000" cy="9144000"/>
@@ -132,6 +134,7 @@
             <p14:sldId id="256"/>
             <p14:sldId id="257"/>
             <p14:sldId id="259"/>
+            <p14:sldId id="278"/>
             <p14:sldId id="260"/>
             <p14:sldId id="261"/>
             <p14:sldId id="262"/>
@@ -147,6 +150,7 @@
             <p14:sldId id="272"/>
             <p14:sldId id="273"/>
             <p14:sldId id="276"/>
+            <p14:sldId id="279"/>
             <p14:sldId id="277"/>
             <p14:sldId id="274"/>
             <p14:sldId id="275"/>
@@ -155,7 +159,7 @@
       </p14:sectionLst>
     </p:ext>
     <p:ext uri="{EFAFB233-063F-42B5-8137-9DF3F51BA10A}">
-      <p15:sldGuideLst xmlns:p15="http://schemas.microsoft.com/office/powerpoint/2012/main" xmlns="">
+      <p15:sldGuideLst xmlns:p15="http://schemas.microsoft.com/office/powerpoint/2012/main">
         <p15:guide id="1" orient="horz" pos="2160">
           <p15:clr>
             <a:srgbClr val="A4A3A4"/>
@@ -355,7 +359,7 @@
           <a:p>
             <a:fld id="{C83E72C7-D68D-4C96-8310-789F10304778}" type="datetimeFigureOut">
               <a:rPr lang="he-IL" smtClean="0"/>
-              <a:t>כ"ה אייר תשע"ז</a:t>
+              <a:t>כ"ב/אב/תשע"ז</a:t>
             </a:fld>
             <a:endParaRPr lang="he-IL"/>
           </a:p>
@@ -523,7 +527,7 @@
           <a:p>
             <a:fld id="{C83E72C7-D68D-4C96-8310-789F10304778}" type="datetimeFigureOut">
               <a:rPr lang="he-IL" smtClean="0"/>
-              <a:t>כ"ה אייר תשע"ז</a:t>
+              <a:t>כ"ב/אב/תשע"ז</a:t>
             </a:fld>
             <a:endParaRPr lang="he-IL"/>
           </a:p>
@@ -701,7 +705,7 @@
           <a:p>
             <a:fld id="{C83E72C7-D68D-4C96-8310-789F10304778}" type="datetimeFigureOut">
               <a:rPr lang="he-IL" smtClean="0"/>
-              <a:t>כ"ה אייר תשע"ז</a:t>
+              <a:t>כ"ב/אב/תשע"ז</a:t>
             </a:fld>
             <a:endParaRPr lang="he-IL"/>
           </a:p>
@@ -869,7 +873,7 @@
           <a:p>
             <a:fld id="{C83E72C7-D68D-4C96-8310-789F10304778}" type="datetimeFigureOut">
               <a:rPr lang="he-IL" smtClean="0"/>
-              <a:t>כ"ה אייר תשע"ז</a:t>
+              <a:t>כ"ב/אב/תשע"ז</a:t>
             </a:fld>
             <a:endParaRPr lang="he-IL"/>
           </a:p>
@@ -1114,7 +1118,7 @@
           <a:p>
             <a:fld id="{C83E72C7-D68D-4C96-8310-789F10304778}" type="datetimeFigureOut">
               <a:rPr lang="he-IL" smtClean="0"/>
-              <a:t>כ"ה אייר תשע"ז</a:t>
+              <a:t>כ"ב/אב/תשע"ז</a:t>
             </a:fld>
             <a:endParaRPr lang="he-IL"/>
           </a:p>
@@ -1399,7 +1403,7 @@
           <a:p>
             <a:fld id="{C83E72C7-D68D-4C96-8310-789F10304778}" type="datetimeFigureOut">
               <a:rPr lang="he-IL" smtClean="0"/>
-              <a:t>כ"ה אייר תשע"ז</a:t>
+              <a:t>כ"ב/אב/תשע"ז</a:t>
             </a:fld>
             <a:endParaRPr lang="he-IL"/>
           </a:p>
@@ -1818,7 +1822,7 @@
           <a:p>
             <a:fld id="{C83E72C7-D68D-4C96-8310-789F10304778}" type="datetimeFigureOut">
               <a:rPr lang="he-IL" smtClean="0"/>
-              <a:t>כ"ה אייר תשע"ז</a:t>
+              <a:t>כ"ב/אב/תשע"ז</a:t>
             </a:fld>
             <a:endParaRPr lang="he-IL"/>
           </a:p>
@@ -1935,7 +1939,7 @@
           <a:p>
             <a:fld id="{C83E72C7-D68D-4C96-8310-789F10304778}" type="datetimeFigureOut">
               <a:rPr lang="he-IL" smtClean="0"/>
-              <a:t>כ"ה אייר תשע"ז</a:t>
+              <a:t>כ"ב/אב/תשע"ז</a:t>
             </a:fld>
             <a:endParaRPr lang="he-IL"/>
           </a:p>
@@ -2030,7 +2034,7 @@
           <a:p>
             <a:fld id="{C83E72C7-D68D-4C96-8310-789F10304778}" type="datetimeFigureOut">
               <a:rPr lang="he-IL" smtClean="0"/>
-              <a:t>כ"ה אייר תשע"ז</a:t>
+              <a:t>כ"ב/אב/תשע"ז</a:t>
             </a:fld>
             <a:endParaRPr lang="he-IL"/>
           </a:p>
@@ -2305,7 +2309,7 @@
           <a:p>
             <a:fld id="{C83E72C7-D68D-4C96-8310-789F10304778}" type="datetimeFigureOut">
               <a:rPr lang="he-IL" smtClean="0"/>
-              <a:t>כ"ה אייר תשע"ז</a:t>
+              <a:t>כ"ב/אב/תשע"ז</a:t>
             </a:fld>
             <a:endParaRPr lang="he-IL"/>
           </a:p>
@@ -2557,7 +2561,7 @@
           <a:p>
             <a:fld id="{C83E72C7-D68D-4C96-8310-789F10304778}" type="datetimeFigureOut">
               <a:rPr lang="he-IL" smtClean="0"/>
-              <a:t>כ"ה אייר תשע"ז</a:t>
+              <a:t>כ"ב/אב/תשע"ז</a:t>
             </a:fld>
             <a:endParaRPr lang="he-IL"/>
           </a:p>
@@ -2630,7 +2634,7 @@
           </a:blip>
           <a:srcRect/>
           <a:stretch>
-            <a:fillRect l="-28000" r="-28000"/>
+            <a:fillRect l="-6000" r="-6000"/>
           </a:stretch>
         </a:blipFill>
         <a:effectLst/>
@@ -2778,7 +2782,7 @@
           <a:p>
             <a:fld id="{C83E72C7-D68D-4C96-8310-789F10304778}" type="datetimeFigureOut">
               <a:rPr lang="he-IL" smtClean="0"/>
-              <a:t>כ"ה אייר תשע"ז</a:t>
+              <a:t>כ"ב/אב/תשע"ז</a:t>
             </a:fld>
             <a:endParaRPr lang="he-IL"/>
           </a:p>
@@ -3155,95 +3159,87 @@
       </p:grpSpPr>
       <p:sp>
         <p:nvSpPr>
-          <p:cNvPr id="2" name="כותרת 1"/>
-          <p:cNvSpPr>
-            <a:spLocks noGrp="1"/>
-          </p:cNvSpPr>
-          <p:nvPr>
-            <p:ph type="ctrTitle"/>
+          <p:cNvPr id="3" name="כותרת משנה 2"/>
+          <p:cNvSpPr>
+            <a:spLocks noGrp="1"/>
+          </p:cNvSpPr>
+          <p:nvPr>
+            <p:ph type="subTitle" idx="1"/>
           </p:nvPr>
         </p:nvSpPr>
         <p:spPr>
           <a:xfrm>
-            <a:off x="539552" y="476672"/>
-            <a:ext cx="7772400" cy="1470025"/>
+            <a:off x="780693" y="2636912"/>
+            <a:ext cx="7232848" cy="3888432"/>
           </a:xfrm>
         </p:spPr>
         <p:txBody>
-          <a:bodyPr/>
-          <a:lstStyle/>
-          <a:p>
-            <a:r>
-              <a:rPr lang="he-IL" b="0" dirty="0"/>
-              <a:t>מערכות לזיהוי חריגות סביבתיות אצל תינוקות</a:t>
-            </a:r>
-            <a:r>
-              <a:rPr lang="en-US" b="0" dirty="0"/>
-              <a:t> </a:t>
-            </a:r>
-            <a:endParaRPr lang="en-US" dirty="0"/>
-          </a:p>
-        </p:txBody>
-      </p:sp>
-      <p:sp>
-        <p:nvSpPr>
-          <p:cNvPr id="3" name="כותרת משנה 2"/>
-          <p:cNvSpPr>
-            <a:spLocks noGrp="1"/>
-          </p:cNvSpPr>
-          <p:nvPr>
-            <p:ph type="subTitle" idx="1"/>
-          </p:nvPr>
-        </p:nvSpPr>
-        <p:spPr>
-          <a:xfrm>
-            <a:off x="1371600" y="3068960"/>
-            <a:ext cx="6400800" cy="2569840"/>
-          </a:xfrm>
-        </p:spPr>
-        <p:txBody>
           <a:bodyPr>
-            <a:normAutofit lnSpcReduction="10000"/>
+            <a:normAutofit/>
           </a:bodyPr>
           <a:lstStyle/>
           <a:p>
+            <a:pPr>
+              <a:lnSpc>
+                <a:spcPct val="110000"/>
+              </a:lnSpc>
+            </a:pPr>
             <a:r>
               <a:rPr lang="he-IL" dirty="0">
                 <a:solidFill>
-                  <a:srgbClr val="FF0000"/>
+                  <a:schemeClr val="tx1"/>
                 </a:solidFill>
               </a:rPr>
-              <a:t>משתתפים: שגיא ראובן, יהודה יחיאל שכטר ודרור </a:t>
-            </a:r>
-            <a:r>
-              <a:rPr lang="he-IL" dirty="0" err="1">
-                <a:solidFill>
-                  <a:srgbClr val="FF0000"/>
-                </a:solidFill>
-              </a:rPr>
-              <a:t>רוסין</a:t>
+              <a:t>משתתפים: שגיא ראובן, יהודה יחיאל שכטר ודרור רוסין</a:t>
             </a:r>
             <a:endParaRPr lang="en-US" dirty="0">
               <a:solidFill>
-                <a:srgbClr val="FF0000"/>
+                <a:schemeClr val="tx1"/>
               </a:solidFill>
             </a:endParaRPr>
           </a:p>
           <a:p>
+            <a:pPr>
+              <a:lnSpc>
+                <a:spcPct val="110000"/>
+              </a:lnSpc>
+            </a:pPr>
             <a:r>
               <a:rPr lang="he-IL" dirty="0">
                 <a:solidFill>
-                  <a:srgbClr val="FF0000"/>
+                  <a:schemeClr val="tx1"/>
                 </a:solidFill>
               </a:rPr>
               <a:t>מרצה: ד"ר דן אופיר</a:t>
             </a:r>
-          </a:p>
-          <a:p>
+            <a:endParaRPr lang="en-US" dirty="0">
+              <a:solidFill>
+                <a:schemeClr val="tx1"/>
+              </a:solidFill>
+            </a:endParaRPr>
+          </a:p>
+          <a:p>
+            <a:pPr>
+              <a:lnSpc>
+                <a:spcPct val="110000"/>
+              </a:lnSpc>
+            </a:pPr>
+            <a:endParaRPr lang="he-IL" dirty="0">
+              <a:solidFill>
+                <a:schemeClr val="tx1"/>
+              </a:solidFill>
+            </a:endParaRPr>
+          </a:p>
+          <a:p>
+            <a:pPr>
+              <a:lnSpc>
+                <a:spcPct val="110000"/>
+              </a:lnSpc>
+            </a:pPr>
             <a:r>
               <a:rPr lang="he-IL" dirty="0">
                 <a:solidFill>
-                  <a:srgbClr val="FF0000"/>
+                  <a:schemeClr val="tx1"/>
                 </a:solidFill>
               </a:rPr>
               <a:t>המחלקה למדעי המחשב - אוניברסיטת אריאל בשומרון</a:t>
@@ -3251,17 +3247,135 @@
             <a:r>
               <a:rPr lang="en-US" dirty="0">
                 <a:solidFill>
-                  <a:srgbClr val="FF0000"/>
+                  <a:schemeClr val="tx1"/>
                 </a:solidFill>
               </a:rPr>
               <a:t> </a:t>
             </a:r>
           </a:p>
           <a:p>
-            <a:endParaRPr lang="he-IL" dirty="0"/>
-          </a:p>
-        </p:txBody>
-      </p:sp>
+            <a:endParaRPr lang="he-IL" dirty="0">
+              <a:solidFill>
+                <a:schemeClr val="tx1"/>
+              </a:solidFill>
+            </a:endParaRPr>
+          </a:p>
+        </p:txBody>
+      </p:sp>
+      <p:sp>
+        <p:nvSpPr>
+          <p:cNvPr id="4" name="Rectangle 3">
+            <a:extLst>
+              <a:ext uri="{FF2B5EF4-FFF2-40B4-BE49-F238E27FC236}">
+                <a16:creationId xmlns:a16="http://schemas.microsoft.com/office/drawing/2014/main" id="{2D5FF7E8-FE37-4DF0-9242-62C2AEE15EC5}"/>
+              </a:ext>
+            </a:extLst>
+          </p:cNvPr>
+          <p:cNvSpPr/>
+          <p:nvPr/>
+        </p:nvSpPr>
+        <p:spPr>
+          <a:xfrm>
+            <a:off x="1021833" y="404664"/>
+            <a:ext cx="6991707" cy="1754326"/>
+          </a:xfrm>
+          <a:prstGeom prst="rect">
+            <a:avLst/>
+          </a:prstGeom>
+          <a:noFill/>
+        </p:spPr>
+        <p:txBody>
+          <a:bodyPr wrap="square" lIns="91440" tIns="45720" rIns="91440" bIns="45720">
+            <a:spAutoFit/>
+          </a:bodyPr>
+          <a:lstStyle/>
+          <a:p>
+            <a:pPr algn="ctr"/>
+            <a:r>
+              <a:rPr lang="he-IL" sz="5400" b="1" dirty="0">
+                <a:ln w="22225">
+                  <a:solidFill>
+                    <a:schemeClr val="accent2"/>
+                  </a:solidFill>
+                  <a:prstDash val="solid"/>
+                </a:ln>
+                <a:solidFill>
+                  <a:schemeClr val="accent2">
+                    <a:lumMod val="40000"/>
+                    <a:lumOff val="60000"/>
+                  </a:schemeClr>
+                </a:solidFill>
+              </a:rPr>
+              <a:t>מערכת לזיהוי חריגות</a:t>
+            </a:r>
+          </a:p>
+          <a:p>
+            <a:pPr algn="ctr"/>
+            <a:r>
+              <a:rPr lang="he-IL" sz="5400" b="1" dirty="0">
+                <a:ln w="22225">
+                  <a:solidFill>
+                    <a:schemeClr val="accent2"/>
+                  </a:solidFill>
+                  <a:prstDash val="solid"/>
+                </a:ln>
+                <a:solidFill>
+                  <a:schemeClr val="accent2">
+                    <a:lumMod val="40000"/>
+                    <a:lumOff val="60000"/>
+                  </a:schemeClr>
+                </a:solidFill>
+              </a:rPr>
+              <a:t> סביבתיות אצל תינוקות</a:t>
+            </a:r>
+            <a:endParaRPr lang="en-US" sz="5400" b="1" cap="none" spc="0" dirty="0">
+              <a:ln w="22225">
+                <a:solidFill>
+                  <a:schemeClr val="accent2"/>
+                </a:solidFill>
+                <a:prstDash val="solid"/>
+              </a:ln>
+              <a:solidFill>
+                <a:schemeClr val="accent2">
+                  <a:lumMod val="40000"/>
+                  <a:lumOff val="60000"/>
+                </a:schemeClr>
+              </a:solidFill>
+              <a:effectLst/>
+            </a:endParaRPr>
+          </a:p>
+        </p:txBody>
+      </p:sp>
+      <p:pic>
+        <p:nvPicPr>
+          <p:cNvPr id="8" name="Picture 7">
+            <a:extLst>
+              <a:ext uri="{FF2B5EF4-FFF2-40B4-BE49-F238E27FC236}">
+                <a16:creationId xmlns:a16="http://schemas.microsoft.com/office/drawing/2014/main" id="{FCD7DEAC-E1D2-4808-8119-C9551A8A15CD}"/>
+              </a:ext>
+            </a:extLst>
+          </p:cNvPr>
+          <p:cNvPicPr>
+            <a:picLocks noChangeAspect="1"/>
+          </p:cNvPicPr>
+          <p:nvPr/>
+        </p:nvPicPr>
+        <p:blipFill>
+          <a:blip r:embed="rId2"/>
+          <a:stretch>
+            <a:fillRect/>
+          </a:stretch>
+        </p:blipFill>
+        <p:spPr>
+          <a:xfrm>
+            <a:off x="0" y="5998519"/>
+            <a:ext cx="2335016" cy="859481"/>
+          </a:xfrm>
+          <a:prstGeom prst="rect">
+            <a:avLst/>
+          </a:prstGeom>
+        </p:spPr>
+      </p:pic>
     </p:spTree>
     <p:extLst>
       <p:ext uri="{BB962C8B-B14F-4D97-AF65-F5344CB8AC3E}">
@@ -3308,8 +3422,12 @@
           <a:lstStyle/>
           <a:p>
             <a:r>
-              <a:rPr lang="he-IL" dirty="0"/>
-              <a:t>צד התוכנה במערכת</a:t>
+              <a:rPr lang="he-IL" b="1" u="sng" dirty="0">
+                <a:solidFill>
+                  <a:srgbClr val="00B050"/>
+                </a:solidFill>
+              </a:rPr>
+              <a:t>צד החומרה במערכת</a:t>
             </a:r>
           </a:p>
         </p:txBody>
@@ -3331,95 +3449,255 @@
           </a:bodyPr>
           <a:lstStyle/>
           <a:p>
-            <a:r>
-              <a:rPr lang="he-IL" dirty="0"/>
-              <a:t>פלטפורמת הפיתוח היא סביבת העבודה </a:t>
-            </a:r>
-            <a:r>
-              <a:rPr lang="en-US" dirty="0" err="1"/>
-              <a:t>PyCharm</a:t>
-            </a:r>
-            <a:r>
-              <a:rPr lang="he-IL" dirty="0"/>
-              <a:t> בשפת </a:t>
-            </a:r>
-            <a:r>
-              <a:rPr lang="en-US" dirty="0"/>
-              <a:t>Python</a:t>
-            </a:r>
-            <a:r>
-              <a:rPr lang="he-IL" dirty="0"/>
-              <a:t> על גבי מערכת ההפעלה של </a:t>
-            </a:r>
-            <a:r>
-              <a:rPr lang="en-US" dirty="0" err="1"/>
-              <a:t>Raspbian</a:t>
-            </a:r>
-            <a:r>
-              <a:rPr lang="en-US" dirty="0"/>
-              <a:t> </a:t>
-            </a:r>
-            <a:r>
-              <a:rPr lang="he-IL" dirty="0"/>
-              <a:t> המדמה לינוקס, שנצרבה על הלוח של </a:t>
-            </a:r>
-            <a:r>
-              <a:rPr lang="en-US" dirty="0"/>
-              <a:t>RP2</a:t>
-            </a:r>
-            <a:r>
-              <a:rPr lang="he-IL" dirty="0"/>
-              <a:t> בהתאם </a:t>
-            </a:r>
-            <a:r>
-              <a:rPr lang="he-IL" dirty="0" err="1"/>
-              <a:t>לפרוייקט</a:t>
-            </a:r>
-            <a:r>
-              <a:rPr lang="he-IL" dirty="0"/>
-              <a:t>. האתגר </a:t>
-            </a:r>
-            <a:r>
-              <a:rPr lang="he-IL" dirty="0" err="1"/>
-              <a:t>הטכונולוגי</a:t>
-            </a:r>
-            <a:r>
-              <a:rPr lang="he-IL" dirty="0"/>
-              <a:t> יהיה כאשר התוכנה תשלב ותסנכרן בין המודולים לעיל לבין החומרה עצמה. בקורס מבנה תוכנה רכשנו מעט ניסיון בשפה </a:t>
-            </a:r>
-            <a:r>
-              <a:rPr lang="he-IL" dirty="0" err="1"/>
-              <a:t>הסקריפטית</a:t>
+            <a:pPr marL="0" indent="0">
+              <a:buNone/>
+            </a:pPr>
+            <a:endParaRPr lang="en-US" dirty="0"/>
+          </a:p>
+          <a:p>
+            <a:pPr lvl="0"/>
+            <a:r>
+              <a:rPr lang="he-IL" b="1" dirty="0"/>
+              <a:t>רספברי</a:t>
             </a:r>
             <a:r>
               <a:rPr lang="he-IL" dirty="0"/>
               <a:t> </a:t>
             </a:r>
             <a:r>
+              <a:rPr lang="he-IL" b="1" dirty="0"/>
+              <a:t>פאי</a:t>
+            </a:r>
+            <a:r>
+              <a:rPr lang="he-IL" dirty="0"/>
+              <a:t>: אנו נשתמש בגרסה ה- 2 שלו מודל </a:t>
+            </a:r>
+            <a:r>
               <a:rPr lang="en-US" dirty="0"/>
+              <a:t>B+</a:t>
+            </a:r>
+            <a:r>
+              <a:rPr lang="he-IL" dirty="0"/>
+              <a:t>. המכשיר הינו מחשב לוח יחיד קטן וזול עם חיבורים מתאימים אשר דרכו יהיה אפשר לסנכרן את החומרה לתוכנת מחשב הרלוונטית. </a:t>
+            </a:r>
+            <a:endParaRPr lang="en-US" dirty="0"/>
+          </a:p>
+          <a:p>
+            <a:pPr lvl="0"/>
+            <a:r>
+              <a:rPr lang="he-IL" dirty="0"/>
+              <a:t> </a:t>
+            </a:r>
+            <a:r>
+              <a:rPr lang="he-IL" b="1" dirty="0"/>
+              <a:t>סנסורים מותאמים: </a:t>
+            </a:r>
+            <a:r>
+              <a:rPr lang="he-IL" dirty="0"/>
+              <a:t>טמפרטורה-לחות, חיישן דופק, חיישן רעש.</a:t>
+            </a:r>
+            <a:endParaRPr lang="en-US" dirty="0"/>
+          </a:p>
+          <a:p>
+            <a:pPr lvl="0"/>
+            <a:r>
+              <a:rPr lang="he-IL" b="1" dirty="0"/>
+              <a:t>מטריצת חיבורים:</a:t>
+            </a:r>
+            <a:r>
+              <a:rPr lang="he-IL" dirty="0"/>
+              <a:t> שעליה מולבשים החיישנים.</a:t>
+            </a:r>
+            <a:endParaRPr lang="en-US" dirty="0"/>
+          </a:p>
+          <a:p>
+            <a:pPr lvl="0"/>
+            <a:r>
+              <a:rPr lang="he-IL" b="1" dirty="0"/>
+              <a:t>חומרה אלקטרונית</a:t>
+            </a:r>
+            <a:r>
+              <a:rPr lang="he-IL" dirty="0"/>
+              <a:t>: כבלים של מוליכים, נגדים ונורות. </a:t>
+            </a:r>
+            <a:endParaRPr lang="en-US" dirty="0"/>
+          </a:p>
+          <a:p>
+            <a:endParaRPr lang="he-IL" dirty="0"/>
+          </a:p>
+        </p:txBody>
+      </p:sp>
+    </p:spTree>
+    <p:extLst>
+      <p:ext uri="{BB962C8B-B14F-4D97-AF65-F5344CB8AC3E}">
+        <p14:creationId xmlns:p14="http://schemas.microsoft.com/office/powerpoint/2010/main" val="2623832888"/>
+      </p:ext>
+    </p:extLst>
+  </p:cSld>
+  <p:clrMapOvr>
+    <a:masterClrMapping/>
+  </p:clrMapOvr>
+</p:sld>
+</file>
+
+<file path=ppt/slides/slide11.xml><?xml version="1.0" encoding="utf-8"?>
+<p:sld xmlns:a="http://schemas.openxmlformats.org/drawingml/2006/main" xmlns:r="http://schemas.openxmlformats.org/officeDocument/2006/relationships" xmlns:p="http://schemas.openxmlformats.org/presentationml/2006/main">
+  <p:cSld>
+    <p:spTree>
+      <p:nvGrpSpPr>
+        <p:cNvPr id="1" name=""/>
+        <p:cNvGrpSpPr/>
+        <p:nvPr/>
+      </p:nvGrpSpPr>
+      <p:grpSpPr>
+        <a:xfrm>
+          <a:off x="0" y="0"/>
+          <a:ext cx="0" cy="0"/>
+          <a:chOff x="0" y="0"/>
+          <a:chExt cx="0" cy="0"/>
+        </a:xfrm>
+      </p:grpSpPr>
+      <p:sp>
+        <p:nvSpPr>
+          <p:cNvPr id="2" name="כותרת 1"/>
+          <p:cNvSpPr>
+            <a:spLocks noGrp="1"/>
+          </p:cNvSpPr>
+          <p:nvPr>
+            <p:ph type="title"/>
+          </p:nvPr>
+        </p:nvSpPr>
+        <p:spPr/>
+        <p:txBody>
+          <a:bodyPr/>
+          <a:lstStyle/>
+          <a:p>
+            <a:r>
+              <a:rPr lang="he-IL" b="1" u="sng" dirty="0">
+                <a:solidFill>
+                  <a:srgbClr val="00B050"/>
+                </a:solidFill>
+              </a:rPr>
+              <a:t>צד התוכנה במערכת</a:t>
+            </a:r>
+          </a:p>
+        </p:txBody>
+      </p:sp>
+      <p:sp>
+        <p:nvSpPr>
+          <p:cNvPr id="3" name="מציין מיקום תוכן 2"/>
+          <p:cNvSpPr>
+            <a:spLocks noGrp="1"/>
+          </p:cNvSpPr>
+          <p:nvPr>
+            <p:ph idx="1"/>
+          </p:nvPr>
+        </p:nvSpPr>
+        <p:spPr>
+          <a:xfrm>
+            <a:off x="429310" y="1417638"/>
+            <a:ext cx="8257489" cy="5107706"/>
+          </a:xfrm>
+        </p:spPr>
+        <p:txBody>
+          <a:bodyPr>
+            <a:normAutofit/>
+          </a:bodyPr>
+          <a:lstStyle/>
+          <a:p>
+            <a:r>
+              <a:rPr lang="he-IL" sz="2400" dirty="0"/>
+              <a:t>פלטפורמת הפיתוח היא סביבת העבודה </a:t>
+            </a:r>
+            <a:r>
+              <a:rPr lang="en-US" sz="2400" dirty="0" err="1"/>
+              <a:t>PyCharm</a:t>
+            </a:r>
+            <a:r>
+              <a:rPr lang="he-IL" sz="2400" dirty="0"/>
+              <a:t> בשפת </a:t>
+            </a:r>
+            <a:r>
+              <a:rPr lang="en-US" sz="2400" dirty="0"/>
               <a:t>Python</a:t>
             </a:r>
             <a:r>
-              <a:rPr lang="he-IL" dirty="0"/>
+              <a:rPr lang="he-IL" sz="2400" dirty="0"/>
+              <a:t> על גבי מערכת ההפעלה של </a:t>
+            </a:r>
+            <a:r>
+              <a:rPr lang="en-US" sz="2400" dirty="0"/>
+              <a:t>Raspbian </a:t>
+            </a:r>
+            <a:r>
+              <a:rPr lang="he-IL" sz="2400" dirty="0"/>
+              <a:t> המדמה לינוקס, שנצרבה על הלוח של </a:t>
+            </a:r>
+            <a:r>
+              <a:rPr lang="en-US" sz="2400" dirty="0"/>
+              <a:t>RP2</a:t>
+            </a:r>
+            <a:r>
+              <a:rPr lang="he-IL" sz="2400" dirty="0"/>
+              <a:t>(</a:t>
+            </a:r>
+            <a:r>
+              <a:rPr lang="he-IL" sz="2400" dirty="0" err="1"/>
+              <a:t>ראסברי</a:t>
+            </a:r>
+            <a:r>
+              <a:rPr lang="he-IL" sz="2400" dirty="0"/>
+              <a:t> פאי) בהתאם </a:t>
+            </a:r>
+            <a:r>
+              <a:rPr lang="he-IL" sz="2400" dirty="0" err="1"/>
+              <a:t>לפרוייקט</a:t>
+            </a:r>
+            <a:r>
+              <a:rPr lang="he-IL" sz="2400" dirty="0"/>
+              <a:t>. האתגר </a:t>
+            </a:r>
+            <a:r>
+              <a:rPr lang="he-IL" sz="2400" dirty="0" err="1"/>
+              <a:t>הטכונולוגי</a:t>
+            </a:r>
+            <a:r>
+              <a:rPr lang="he-IL" sz="2400" dirty="0"/>
+              <a:t> יהיה כאשר התוכנה תשלב ותסנכרן בין המודולים לעיל לבין החומרה עצמה. בקורס מבנה תוכנה רכשנו מעט ניסיון בשפה </a:t>
+            </a:r>
+            <a:r>
+              <a:rPr lang="he-IL" sz="2400" dirty="0" err="1"/>
+              <a:t>הסקריפטית</a:t>
+            </a:r>
+            <a:r>
+              <a:rPr lang="he-IL" sz="2400" dirty="0"/>
+              <a:t> </a:t>
+            </a:r>
+            <a:r>
+              <a:rPr lang="en-US" sz="2400" dirty="0"/>
+              <a:t>Python</a:t>
+            </a:r>
+            <a:r>
+              <a:rPr lang="he-IL" sz="2400" dirty="0"/>
               <a:t> על הסביבה </a:t>
             </a:r>
             <a:r>
-              <a:rPr lang="en-US" dirty="0" err="1"/>
+              <a:rPr lang="en-US" sz="2400" dirty="0" err="1"/>
               <a:t>PyCharm</a:t>
             </a:r>
             <a:r>
-              <a:rPr lang="he-IL" dirty="0"/>
+              <a:rPr lang="he-IL" sz="2400" dirty="0"/>
               <a:t> ועכשיו נרצה יותר להתמקצע בשפה ולממש פונקציות מורכבות הרלוונטיות לנו. הספרייה המרכזית נקראת: </a:t>
             </a:r>
             <a:r>
-              <a:rPr lang="en-US" dirty="0"/>
+              <a:rPr lang="en-US" sz="2400" dirty="0"/>
               <a:t>Adafruit Python DHT Sensor Library</a:t>
             </a:r>
             <a:r>
-              <a:rPr lang="he-IL" dirty="0"/>
+              <a:rPr lang="he-IL" sz="2400" dirty="0"/>
               <a:t> שמאפשרת לנו את קבלת הנתונים מהחיישן לתוכנה.</a:t>
             </a:r>
-            <a:endParaRPr lang="en-US" dirty="0"/>
+            <a:endParaRPr lang="en-US" sz="2400" dirty="0"/>
           </a:p>
         </p:txBody>
       </p:sp>
@@ -3436,7 +3714,7 @@
 </p:sld>
 </file>
 
-<file path=ppt/slides/slide11.xml><?xml version="1.0" encoding="utf-8"?>
+<file path=ppt/slides/slide12.xml><?xml version="1.0" encoding="utf-8"?>
 <p:sld xmlns:a="http://schemas.openxmlformats.org/drawingml/2006/main" xmlns:r="http://schemas.openxmlformats.org/officeDocument/2006/relationships" xmlns:p="http://schemas.openxmlformats.org/presentationml/2006/main">
   <p:cSld>
     <p:spTree>
@@ -3626,7 +3904,7 @@
         </p:nvSpPr>
         <p:spPr>
           <a:xfrm>
-            <a:off x="7308304" y="4725144"/>
+            <a:off x="6588224" y="4067780"/>
             <a:ext cx="1656184" cy="369332"/>
           </a:xfrm>
           <a:prstGeom prst="rect">
@@ -3733,7 +4011,7 @@
 </p:sld>
 </file>
 
-<file path=ppt/slides/slide12.xml><?xml version="1.0" encoding="utf-8"?>
+<file path=ppt/slides/slide13.xml><?xml version="1.0" encoding="utf-8"?>
 <p:sld xmlns:a="http://schemas.openxmlformats.org/drawingml/2006/main" xmlns:r="http://schemas.openxmlformats.org/officeDocument/2006/relationships" xmlns:p="http://schemas.openxmlformats.org/presentationml/2006/main">
   <p:cSld>
     <p:spTree>
@@ -3776,7 +4054,7 @@
       </p:sp>
       <p:pic>
         <p:nvPicPr>
-          <p:cNvPr id="4" name="Picture 3" descr="C:\Users\Dror\Desktop\מעבר.png"/>
+          <p:cNvPr id="4" name="Content Placeholder 3" descr="C:\Users\Dror\Desktop\מעבר.png"/>
           <p:cNvPicPr>
             <a:picLocks noGrp="1"/>
           </p:cNvPicPr>
@@ -3824,7 +4102,7 @@
 </p:sld>
 </file>
 
-<file path=ppt/slides/slide13.xml><?xml version="1.0" encoding="utf-8"?>
+<file path=ppt/slides/slide14.xml><?xml version="1.0" encoding="utf-8"?>
 <p:sld xmlns:a="http://schemas.openxmlformats.org/drawingml/2006/main" xmlns:r="http://schemas.openxmlformats.org/officeDocument/2006/relationships" xmlns:p="http://schemas.openxmlformats.org/presentationml/2006/main">
   <p:cSld>
     <p:spTree>
@@ -3929,7 +4207,7 @@
 </p:sld>
 </file>
 
-<file path=ppt/slides/slide14.xml><?xml version="1.0" encoding="utf-8"?>
+<file path=ppt/slides/slide15.xml><?xml version="1.0" encoding="utf-8"?>
 <p:sld xmlns:a="http://schemas.openxmlformats.org/drawingml/2006/main" xmlns:r="http://schemas.openxmlformats.org/officeDocument/2006/relationships" xmlns:p="http://schemas.openxmlformats.org/presentationml/2006/main">
   <p:cSld>
     <p:spTree>
@@ -4033,7 +4311,7 @@
 </p:sld>
 </file>
 
-<file path=ppt/slides/slide15.xml><?xml version="1.0" encoding="utf-8"?>
+<file path=ppt/slides/slide16.xml><?xml version="1.0" encoding="utf-8"?>
 <p:sld xmlns:a="http://schemas.openxmlformats.org/drawingml/2006/main" xmlns:r="http://schemas.openxmlformats.org/officeDocument/2006/relationships" xmlns:p="http://schemas.openxmlformats.org/presentationml/2006/main">
   <p:cSld>
     <p:spTree>
@@ -4075,10 +4353,6 @@
             <a:r>
               <a:rPr lang="he-IL" dirty="0"/>
               <a:t>תרשים זרימה של הכנסת הנתונים למסד הנתונים </a:t>
-            </a:r>
-            <a:r>
-              <a:rPr lang="en-US" dirty="0"/>
-              <a:t/>
             </a:r>
             <a:br>
               <a:rPr lang="en-US" dirty="0"/>
@@ -4137,7 +4411,7 @@
 </p:sld>
 </file>
 
-<file path=ppt/slides/slide16.xml><?xml version="1.0" encoding="utf-8"?>
+<file path=ppt/slides/slide17.xml><?xml version="1.0" encoding="utf-8"?>
 <p:sld xmlns:a="http://schemas.openxmlformats.org/drawingml/2006/main" xmlns:r="http://schemas.openxmlformats.org/officeDocument/2006/relationships" xmlns:p="http://schemas.openxmlformats.org/presentationml/2006/main">
   <p:cSld>
     <p:spTree>
@@ -4174,10 +4448,6 @@
             <a:r>
               <a:rPr lang="he-IL" dirty="0"/>
               <a:t>תרשים זרימה להצגת הרעיון של הגורמים המשפיעים על קביעת תחום הקריטריון </a:t>
-            </a:r>
-            <a:r>
-              <a:rPr lang="en-US" dirty="0"/>
-              <a:t/>
             </a:r>
             <a:br>
               <a:rPr lang="en-US" dirty="0"/>
@@ -4236,7 +4506,7 @@
 </p:sld>
 </file>
 
-<file path=ppt/slides/slide17.xml><?xml version="1.0" encoding="utf-8"?>
+<file path=ppt/slides/slide18.xml><?xml version="1.0" encoding="utf-8"?>
 <p:sld xmlns:a="http://schemas.openxmlformats.org/drawingml/2006/main" xmlns:r="http://schemas.openxmlformats.org/officeDocument/2006/relationships" xmlns:p="http://schemas.openxmlformats.org/presentationml/2006/main">
   <p:cSld>
     <p:spTree>
@@ -4279,10 +4549,6 @@
             <a:r>
               <a:rPr lang="he-IL" sz="3200" dirty="0"/>
               <a:t>מיפוי – בניית מפת מיקום הילדים בבית הילדים (מעון, בית חולים, וכו') שיאפשר גישה מהירה של הצוות בעת מצוקה. ילדים הגורמים לחריגים לעתים תכופות יותר ימקמו קרוב יותר לצוות (לקצר "ריצות"). </a:t>
-            </a:r>
-            <a:r>
-              <a:rPr lang="en-US" sz="3200" dirty="0"/>
-              <a:t/>
             </a:r>
             <a:br>
               <a:rPr lang="en-US" sz="3200" dirty="0"/>
@@ -4374,168 +4640,6 @@
 </p:sld>
 </file>
 
-<file path=ppt/slides/slide18.xml><?xml version="1.0" encoding="utf-8"?>
-<p:sld xmlns:a="http://schemas.openxmlformats.org/drawingml/2006/main" xmlns:r="http://schemas.openxmlformats.org/officeDocument/2006/relationships" xmlns:p="http://schemas.openxmlformats.org/presentationml/2006/main">
-  <p:cSld>
-    <p:spTree>
-      <p:nvGrpSpPr>
-        <p:cNvPr id="1" name=""/>
-        <p:cNvGrpSpPr/>
-        <p:nvPr/>
-      </p:nvGrpSpPr>
-      <p:grpSpPr>
-        <a:xfrm>
-          <a:off x="0" y="0"/>
-          <a:ext cx="0" cy="0"/>
-          <a:chOff x="0" y="0"/>
-          <a:chExt cx="0" cy="0"/>
-        </a:xfrm>
-      </p:grpSpPr>
-      <p:sp>
-        <p:nvSpPr>
-          <p:cNvPr id="2" name="כותרת 1"/>
-          <p:cNvSpPr>
-            <a:spLocks noGrp="1"/>
-          </p:cNvSpPr>
-          <p:nvPr>
-            <p:ph type="title"/>
-          </p:nvPr>
-        </p:nvSpPr>
-        <p:spPr/>
-        <p:txBody>
-          <a:bodyPr/>
-          <a:lstStyle/>
-          <a:p>
-            <a:endParaRPr lang="he-IL" dirty="0"/>
-          </a:p>
-        </p:txBody>
-      </p:sp>
-      <p:sp>
-        <p:nvSpPr>
-          <p:cNvPr id="3" name="מציין מיקום תוכן 2"/>
-          <p:cNvSpPr>
-            <a:spLocks noGrp="1"/>
-          </p:cNvSpPr>
-          <p:nvPr>
-            <p:ph idx="1"/>
-          </p:nvPr>
-        </p:nvSpPr>
-        <p:spPr/>
-        <p:txBody>
-          <a:bodyPr/>
-          <a:lstStyle/>
-          <a:p>
-            <a:r>
-              <a:rPr lang="he-IL" dirty="0">
-                <a:solidFill>
-                  <a:schemeClr val="tx1"/>
-                </a:solidFill>
-              </a:rPr>
-              <a:t>מבחינת אתגר טכנולוגי הצלחנו ליצור </a:t>
-            </a:r>
-            <a:r>
-              <a:rPr lang="he-IL" dirty="0" err="1">
-                <a:solidFill>
-                  <a:schemeClr val="tx1"/>
-                </a:solidFill>
-              </a:rPr>
-              <a:t>אינטרגרציה</a:t>
-            </a:r>
-            <a:r>
-              <a:rPr lang="he-IL" dirty="0">
-                <a:solidFill>
-                  <a:schemeClr val="tx1"/>
-                </a:solidFill>
-              </a:rPr>
-              <a:t> בין הצד </a:t>
-            </a:r>
-            <a:r>
-              <a:rPr lang="he-IL" dirty="0" err="1">
-                <a:solidFill>
-                  <a:schemeClr val="tx1"/>
-                </a:solidFill>
-              </a:rPr>
-              <a:t>החומרתי</a:t>
-            </a:r>
-            <a:r>
-              <a:rPr lang="he-IL" dirty="0">
-                <a:solidFill>
-                  <a:schemeClr val="tx1"/>
-                </a:solidFill>
-              </a:rPr>
-              <a:t> לצד </a:t>
-            </a:r>
-            <a:r>
-              <a:rPr lang="he-IL" dirty="0" err="1">
-                <a:solidFill>
-                  <a:schemeClr val="tx1"/>
-                </a:solidFill>
-              </a:rPr>
-              <a:t>התוכנתי</a:t>
-            </a:r>
-            <a:r>
-              <a:rPr lang="he-IL" dirty="0">
-                <a:solidFill>
-                  <a:schemeClr val="tx1"/>
-                </a:solidFill>
-              </a:rPr>
-              <a:t> בצורה טובה:</a:t>
-            </a:r>
-          </a:p>
-          <a:p>
-            <a:r>
-              <a:rPr lang="he-IL" dirty="0">
-                <a:solidFill>
-                  <a:schemeClr val="tx1"/>
-                </a:solidFill>
-              </a:rPr>
-              <a:t>שליטה מרחוק על המוצר שלנו תפעול של הספריות השונות בפיתון לקבלת תוצאות.</a:t>
-            </a:r>
-          </a:p>
-          <a:p>
-            <a:r>
-              <a:rPr lang="he-IL" dirty="0">
-                <a:solidFill>
-                  <a:schemeClr val="tx1"/>
-                </a:solidFill>
-              </a:rPr>
-              <a:t>צריבת מערכת הפעלה על ה </a:t>
-            </a:r>
-            <a:r>
-              <a:rPr lang="en-US" dirty="0">
-                <a:solidFill>
-                  <a:schemeClr val="tx1"/>
-                </a:solidFill>
-              </a:rPr>
-              <a:t>rpi-3 </a:t>
-            </a:r>
-            <a:r>
-              <a:rPr lang="he-IL" dirty="0">
-                <a:solidFill>
-                  <a:schemeClr val="tx1"/>
-                </a:solidFill>
-              </a:rPr>
-              <a:t> יצירת בסיס נתונים  בצד השרת, בשלב זה הבסיס נתונים מתנהל מול כרטיס זיכרון מוגבל אבל ניתן להרחבה.</a:t>
-            </a:r>
-          </a:p>
-          <a:p>
-            <a:endParaRPr lang="he-IL" dirty="0"/>
-          </a:p>
-        </p:txBody>
-      </p:sp>
-    </p:spTree>
-    <p:extLst>
-      <p:ext uri="{BB962C8B-B14F-4D97-AF65-F5344CB8AC3E}">
-        <p14:creationId xmlns:p14="http://schemas.microsoft.com/office/powerpoint/2010/main" val="3846893702"/>
-      </p:ext>
-    </p:extLst>
-  </p:cSld>
-  <p:clrMapOvr>
-    <a:masterClrMapping/>
-  </p:clrMapOvr>
-</p:sld>
-</file>
-
 <file path=ppt/slides/slide19.xml><?xml version="1.0" encoding="utf-8"?>
 <p:sld xmlns:a="http://schemas.openxmlformats.org/drawingml/2006/main" xmlns:r="http://schemas.openxmlformats.org/officeDocument/2006/relationships" xmlns:p="http://schemas.openxmlformats.org/presentationml/2006/main">
   <p:cSld>
@@ -4569,77 +4673,36 @@
           <a:lstStyle/>
           <a:p>
             <a:r>
-              <a:rPr lang="he-IL" dirty="0"/>
-              <a:t>קישורים</a:t>
-            </a:r>
-          </a:p>
-        </p:txBody>
-      </p:sp>
-      <p:sp>
-        <p:nvSpPr>
-          <p:cNvPr id="3" name="מציין מיקום תוכן 2"/>
-          <p:cNvSpPr>
-            <a:spLocks noGrp="1"/>
-          </p:cNvSpPr>
-          <p:nvPr>
-            <p:ph idx="1"/>
-          </p:nvPr>
-        </p:nvSpPr>
-        <p:spPr/>
-        <p:txBody>
-          <a:bodyPr/>
-          <a:lstStyle/>
-          <a:p>
-            <a:pPr marL="914400" lvl="2" indent="0" algn="l">
-              <a:buNone/>
-            </a:pPr>
-            <a:r>
-              <a:rPr lang="en-US" sz="3200" b="1" u="sng" dirty="0">
+              <a:rPr lang="he-IL" b="1" u="sng" dirty="0">
                 <a:solidFill>
-                  <a:schemeClr val="tx2"/>
+                  <a:srgbClr val="00B050"/>
                 </a:solidFill>
               </a:rPr>
-              <a:t>Github:</a:t>
-            </a:r>
-          </a:p>
-          <a:p>
-            <a:pPr marL="0" indent="0" algn="l">
+              <a:t>אילוצים ונקודות תורפה</a:t>
+            </a:r>
+          </a:p>
+        </p:txBody>
+      </p:sp>
+      <p:sp>
+        <p:nvSpPr>
+          <p:cNvPr id="3" name="מציין מיקום תוכן 2"/>
+          <p:cNvSpPr>
+            <a:spLocks noGrp="1"/>
+          </p:cNvSpPr>
+          <p:nvPr>
+            <p:ph idx="1"/>
+          </p:nvPr>
+        </p:nvSpPr>
+        <p:spPr/>
+        <p:txBody>
+          <a:bodyPr>
+            <a:normAutofit fontScale="92500" lnSpcReduction="10000"/>
+          </a:bodyPr>
+          <a:lstStyle/>
+          <a:p>
+            <a:pPr marL="0" indent="0">
               <a:buNone/>
             </a:pPr>
-            <a:r>
-              <a:rPr lang="en-US" dirty="0">
-                <a:solidFill>
-                  <a:schemeClr val="tx1"/>
-                </a:solidFill>
-              </a:rPr>
-              <a:t>https://github.com/drorruss/Final_Project</a:t>
-            </a:r>
-          </a:p>
-          <a:p>
-            <a:pPr marL="0" indent="0" algn="l">
-              <a:buNone/>
-            </a:pPr>
-            <a:r>
-              <a:rPr lang="en-US" b="1" u="sng" dirty="0">
-                <a:solidFill>
-                  <a:schemeClr val="tx2"/>
-                </a:solidFill>
-              </a:rPr>
-              <a:t>Youtube:</a:t>
-            </a:r>
-          </a:p>
-          <a:p>
-            <a:pPr marL="0" indent="0" algn="l">
-              <a:buNone/>
-            </a:pPr>
-            <a:r>
-              <a:rPr lang="en-US" dirty="0">
-                <a:solidFill>
-                  <a:schemeClr val="tx1"/>
-                </a:solidFill>
-              </a:rPr>
-              <a:t>https://www.youtube.com/watch?v=by_GR2tYN24&amp;t=15s</a:t>
-            </a:r>
             <a:endParaRPr lang="he-IL" dirty="0">
               <a:solidFill>
                 <a:schemeClr val="tx1"/>
@@ -4647,46 +4710,61 @@
             </a:endParaRPr>
           </a:p>
           <a:p>
-            <a:pPr marL="0" indent="0" algn="l">
-              <a:buNone/>
-            </a:pPr>
-            <a:r>
-              <a:rPr lang="en-US" b="1" u="sng" dirty="0">
-                <a:solidFill>
-                  <a:schemeClr val="tx2"/>
-                </a:solidFill>
-              </a:rPr>
-              <a:t>Model</a:t>
-            </a:r>
-            <a:r>
-              <a:rPr lang="en-US" b="1" u="sng" dirty="0">
-                <a:solidFill>
-                  <a:srgbClr val="C00000"/>
-                </a:solidFill>
-              </a:rPr>
-              <a:t> </a:t>
-            </a:r>
-            <a:r>
-              <a:rPr lang="en-US" b="1" u="sng" dirty="0">
-                <a:solidFill>
-                  <a:schemeClr val="tx2"/>
-                </a:solidFill>
-              </a:rPr>
-              <a:t>projects:</a:t>
-            </a:r>
-          </a:p>
-          <a:p>
-            <a:pPr marL="0" indent="0" algn="l">
-              <a:buNone/>
-            </a:pPr>
-            <a:r>
-              <a:rPr lang="en-US" dirty="0">
+            <a:r>
+              <a:rPr lang="he-IL" dirty="0">
                 <a:solidFill>
                   <a:schemeClr val="tx1"/>
                 </a:solidFill>
               </a:rPr>
-              <a:t>http://moodle.ariel.ac.il/mod/assign/view.php?id=8</a:t>
-            </a:r>
+              <a:t>בסיס הנתונים מתנהל מול כרטיס זיכרון מוגבל אך ניתן להרחבה</a:t>
+            </a:r>
+            <a:r>
+              <a:rPr lang="he-IL" dirty="0"/>
+              <a:t>. כמובן שבבתי חולים יוחזק </a:t>
+            </a:r>
+            <a:r>
+              <a:rPr lang="he-IL" dirty="0" err="1"/>
+              <a:t>storage</a:t>
+            </a:r>
+            <a:r>
+              <a:rPr lang="he-IL" dirty="0"/>
+              <a:t> הרבה יותר גדול.</a:t>
+            </a:r>
+            <a:endParaRPr lang="he-IL" dirty="0">
+              <a:solidFill>
+                <a:schemeClr val="tx1"/>
+              </a:solidFill>
+            </a:endParaRPr>
+          </a:p>
+          <a:p>
+            <a:r>
+              <a:rPr lang="he-IL" dirty="0"/>
+              <a:t>המערכת מתבססת על טכנולוגיית קוד פתוח. </a:t>
+            </a:r>
+            <a:r>
+              <a:rPr lang="he-IL" dirty="0" err="1"/>
+              <a:t>נצרכנו</a:t>
+            </a:r>
+            <a:r>
+              <a:rPr lang="he-IL" dirty="0"/>
+              <a:t> לבצע שינויים והתאמות כדי להרכיב את המערכת שלנו. דבר זה הביא </a:t>
+            </a:r>
+            <a:r>
+              <a:rPr lang="he-IL" dirty="0" err="1"/>
+              <a:t>איתו</a:t>
+            </a:r>
+            <a:r>
+              <a:rPr lang="he-IL" dirty="0"/>
+              <a:t> כל מיני בעיות, אשר התגברנו עליהן. את המיקרופון וחיישן התנועה לא הוספנו להדגמה אלא רק לצורך שימוש וירטואלי עם הספריות המתאימות שמצאנו להן. </a:t>
+            </a:r>
+            <a:endParaRPr lang="x-none" dirty="0"/>
+          </a:p>
+          <a:p>
+            <a:endParaRPr lang="he-IL" dirty="0">
+              <a:solidFill>
+                <a:schemeClr val="tx1"/>
+              </a:solidFill>
+            </a:endParaRPr>
           </a:p>
           <a:p>
             <a:endParaRPr lang="he-IL" dirty="0"/>
@@ -4696,7 +4774,7 @@
     </p:spTree>
     <p:extLst>
       <p:ext uri="{BB962C8B-B14F-4D97-AF65-F5344CB8AC3E}">
-        <p14:creationId xmlns:p14="http://schemas.microsoft.com/office/powerpoint/2010/main" val="1870503591"/>
+        <p14:creationId xmlns:p14="http://schemas.microsoft.com/office/powerpoint/2010/main" val="3846893702"/>
       </p:ext>
     </p:extLst>
   </p:cSld>
@@ -4744,7 +4822,11 @@
           <a:lstStyle/>
           <a:p>
             <a:r>
-              <a:rPr lang="he-IL" dirty="0"/>
+              <a:rPr lang="he-IL" b="1" u="sng" dirty="0">
+                <a:solidFill>
+                  <a:srgbClr val="00B050"/>
+                </a:solidFill>
+              </a:rPr>
               <a:t>רקע</a:t>
             </a:r>
           </a:p>
@@ -4768,13 +4850,13 @@
         </p:spPr>
         <p:txBody>
           <a:bodyPr>
-            <a:normAutofit fontScale="85000" lnSpcReduction="10000"/>
+            <a:normAutofit fontScale="85000" lnSpcReduction="20000"/>
           </a:bodyPr>
           <a:lstStyle/>
           <a:p>
             <a:r>
               <a:rPr lang="he-IL" dirty="0"/>
-              <a:t>מערכות לזיהוי חריגות סביבתיות קיימות כבר בתעשייה, אך בפרויקט שלנו נרצה להתמקד במערכת שתעבוד בקרב תינוקות בפגייה. הסיבה לכך היא, כי במקום זה קיימים מספר תינוקות הגדול ממספר האחיות באופן משמעותי</a:t>
+              <a:t>מערכות לזיהוי חריגות סביבתיות קיימות כבר בתעשייה, אך בפרויקט שלנו התמקדנו במערכת שתעבוד בקרב תינוקות בפגייה. הסיבה לכך היא, כי במקום זה קיימים מספר תינוקות הגדול ממספר האחיות באופן משמעותי</a:t>
             </a:r>
             <a:r>
               <a:rPr lang="en-US" dirty="0"/>
@@ -4782,13 +4864,13 @@
             </a:r>
             <a:r>
               <a:rPr lang="he-IL" dirty="0"/>
-              <a:t> דבר זה יכול להקשות על האחיות לשים לב   לאירועים שונים הקורים לתינוק, ולטפל בהתאם. אי לכך קיים צורך למערכת, שתתריע על מקרה חרום. בשביל זה נוכל להיעזר במערכת שלנו.</a:t>
+              <a:t> דבר זה יכול להקשות על האחיות לשים לב לכל האירועים השונים הקורים לתינוק, ולטפל בהתאם. אי לכך קיים צורך למערכת, שתתריע על מקרה חרום. בשביל זה נוכל להיעזר במערכת שלנו.</a:t>
             </a:r>
           </a:p>
           <a:p>
             <a:r>
               <a:rPr lang="he-IL" dirty="0"/>
-              <a:t>במערכת נרצה להתרכז בפרמטרים הבאים:</a:t>
+              <a:t>במערכת שלנו התרכזנו בפרמטרים הבאים:</a:t>
             </a:r>
             <a:endParaRPr lang="en-US" dirty="0"/>
           </a:p>
@@ -4834,6 +4916,16 @@
             <a:r>
               <a:rPr lang="he-IL" b="1" dirty="0"/>
               <a:t>לב, הפסקת נשימה</a:t>
+            </a:r>
+          </a:p>
+          <a:p>
+            <a:r>
+              <a:rPr lang="he-IL" dirty="0"/>
+              <a:t>4. </a:t>
+            </a:r>
+            <a:r>
+              <a:rPr lang="he-IL" b="1" dirty="0"/>
+              <a:t>גלי קול </a:t>
             </a:r>
             <a:endParaRPr lang="en-US" dirty="0"/>
           </a:p>
@@ -4874,7 +4966,13 @@
       </p:grpSpPr>
       <p:sp>
         <p:nvSpPr>
-          <p:cNvPr id="2" name="כותרת 1"/>
+          <p:cNvPr id="2" name="Title 1">
+            <a:extLst>
+              <a:ext uri="{FF2B5EF4-FFF2-40B4-BE49-F238E27FC236}">
+                <a16:creationId xmlns:a16="http://schemas.microsoft.com/office/drawing/2014/main" id="{D2183AE3-53EC-452B-B5EA-958F0EC7A605}"/>
+              </a:ext>
+            </a:extLst>
+          </p:cNvPr>
           <p:cNvSpPr>
             <a:spLocks noGrp="1"/>
           </p:cNvSpPr>
@@ -4888,193 +4986,83 @@
           <a:lstStyle/>
           <a:p>
             <a:r>
+              <a:rPr lang="he-IL" b="1" u="sng" dirty="0">
+                <a:solidFill>
+                  <a:srgbClr val="00B050"/>
+                </a:solidFill>
+              </a:rPr>
+              <a:t>תוצאות ומסקנות</a:t>
+            </a:r>
+            <a:endParaRPr lang="en-IL" b="1" u="sng" dirty="0">
+              <a:solidFill>
+                <a:srgbClr val="00B050"/>
+              </a:solidFill>
+            </a:endParaRPr>
+          </a:p>
+        </p:txBody>
+      </p:sp>
+      <p:sp>
+        <p:nvSpPr>
+          <p:cNvPr id="3" name="Content Placeholder 2">
+            <a:extLst>
+              <a:ext uri="{FF2B5EF4-FFF2-40B4-BE49-F238E27FC236}">
+                <a16:creationId xmlns:a16="http://schemas.microsoft.com/office/drawing/2014/main" id="{B75FDA47-0B3B-4D70-BE6E-27BB8960798C}"/>
+              </a:ext>
+            </a:extLst>
+          </p:cNvPr>
+          <p:cNvSpPr>
+            <a:spLocks noGrp="1"/>
+          </p:cNvSpPr>
+          <p:nvPr>
+            <p:ph idx="1"/>
+          </p:nvPr>
+        </p:nvSpPr>
+        <p:spPr/>
+        <p:txBody>
+          <a:bodyPr>
+            <a:normAutofit/>
+          </a:bodyPr>
+          <a:lstStyle/>
+          <a:p>
+            <a:r>
               <a:rPr lang="he-IL" dirty="0"/>
-              <a:t>סקר ספרות</a:t>
-            </a:r>
-          </a:p>
-        </p:txBody>
-      </p:sp>
-      <p:sp>
-        <p:nvSpPr>
-          <p:cNvPr id="3" name="מציין מיקום תוכן 2"/>
-          <p:cNvSpPr>
-            <a:spLocks noGrp="1"/>
-          </p:cNvSpPr>
-          <p:nvPr>
-            <p:ph idx="1"/>
-          </p:nvPr>
-        </p:nvSpPr>
-        <p:spPr/>
-        <p:txBody>
-          <a:bodyPr>
-            <a:normAutofit fontScale="47500" lnSpcReduction="20000"/>
-          </a:bodyPr>
-          <a:lstStyle/>
-          <a:p>
-            <a:pPr marL="3657600" lvl="8" indent="0" algn="l">
-              <a:buNone/>
-            </a:pPr>
-            <a:r>
-              <a:rPr lang="en-US" sz="3400" b="1" u="sng" dirty="0"/>
-              <a:t>Academic papers:</a:t>
-            </a:r>
-            <a:endParaRPr lang="en-US" sz="3400" dirty="0"/>
-          </a:p>
-          <a:p>
-            <a:pPr marL="0" indent="0" algn="l">
-              <a:buNone/>
-            </a:pPr>
+              <a:t>מבחינת האתגר הטכנולוגי הצלחנו ליצור אינטגרציה בין צד החומרה לצד התוכנה בצורה טובה. שליטה מרחוק על המערכת שבנינו, תפעול של הספריות השונות </a:t>
+            </a:r>
+            <a:r>
+              <a:rPr lang="he-IL" dirty="0" err="1"/>
+              <a:t>בפייתון</a:t>
+            </a:r>
+            <a:r>
+              <a:rPr lang="he-IL" dirty="0"/>
+              <a:t>, שימוש </a:t>
+            </a:r>
+            <a:r>
+              <a:rPr lang="he-IL" dirty="0" err="1"/>
+              <a:t>בתהליכונים</a:t>
+            </a:r>
+            <a:r>
+              <a:rPr lang="he-IL" dirty="0"/>
+              <a:t> (</a:t>
+            </a:r>
             <a:r>
               <a:rPr lang="en-US" dirty="0"/>
-              <a:t> </a:t>
-            </a:r>
-          </a:p>
-          <a:p>
-            <a:pPr marL="0" indent="0" algn="l">
-              <a:buNone/>
-            </a:pPr>
-            <a:r>
-              <a:rPr lang="en-US" dirty="0"/>
-              <a:t> Hendrickson, Chris; Tung, Au (2008). </a:t>
-            </a:r>
-            <a:r>
-              <a:rPr lang="en-US" u="sng" dirty="0">
-                <a:hlinkClick r:id="rId2"/>
-              </a:rPr>
-              <a:t>"11. Advanced Scheduling Techniques"</a:t>
-            </a:r>
-            <a:r>
-              <a:rPr lang="en-US" dirty="0"/>
-              <a:t>. </a:t>
-            </a:r>
-            <a:r>
-              <a:rPr lang="en-US" u="sng" dirty="0">
-                <a:hlinkClick r:id="rId3"/>
-              </a:rPr>
-              <a:t>Project Management for Construction</a:t>
-            </a:r>
-            <a:r>
-              <a:rPr lang="en-US" dirty="0"/>
-              <a:t>. cmu.edu (2.2 ed.). Prentice Hall. </a:t>
-            </a:r>
-            <a:r>
-              <a:rPr lang="en-US" u="sng" dirty="0">
-                <a:hlinkClick r:id="rId4" tooltip="International Standard Book Number"/>
-              </a:rPr>
-              <a:t>ISBN</a:t>
-            </a:r>
-            <a:r>
-              <a:rPr lang="en-US" dirty="0"/>
-              <a:t> </a:t>
-            </a:r>
-            <a:r>
-              <a:rPr lang="en-US" u="sng" dirty="0">
-                <a:hlinkClick r:id="rId5" tooltip="Special:BookSources/0-13-731266-0"/>
-              </a:rPr>
-              <a:t>0-13-731266-0</a:t>
-            </a:r>
-            <a:r>
-              <a:rPr lang="en-US" dirty="0"/>
-              <a:t>. Retrieved October 27, 2011.</a:t>
-            </a:r>
-          </a:p>
-          <a:p>
-            <a:pPr marL="0" indent="0" algn="l">
-              <a:buNone/>
-            </a:pPr>
-            <a:r>
-              <a:rPr lang="en-US" dirty="0"/>
-              <a:t>-We used this article to gain knowledge of building a PERT or CPM (Critical Path Method) diagram and understand its meaning. It's easier to understand the algorithm according to this chart.</a:t>
-            </a:r>
-          </a:p>
-          <a:p>
-            <a:pPr algn="l"/>
-            <a:endParaRPr lang="en-US" b="1" u="sng" dirty="0"/>
-          </a:p>
-          <a:p>
-            <a:pPr marL="0" indent="0" algn="l">
-              <a:buNone/>
-            </a:pPr>
-            <a:r>
-              <a:rPr lang="en-US" b="1" u="sng" dirty="0"/>
-              <a:t>Books:</a:t>
-            </a:r>
-            <a:endParaRPr lang="en-US" dirty="0"/>
-          </a:p>
-          <a:p>
-            <a:pPr marL="0" indent="0" algn="l">
-              <a:buNone/>
-            </a:pPr>
+              <a:t>Threads</a:t>
+            </a:r>
             <a:r>
               <a:rPr lang="he-IL" dirty="0"/>
-              <a:t> </a:t>
-            </a:r>
-            <a:endParaRPr lang="en-US" dirty="0"/>
-          </a:p>
-          <a:p>
-            <a:pPr marL="0" indent="0" algn="l">
-              <a:buNone/>
-            </a:pPr>
-            <a:r>
-              <a:rPr lang="en-US" dirty="0"/>
-              <a:t>Basic book of Electrical Engineering: </a:t>
-            </a:r>
-            <a:r>
-              <a:rPr lang="en-US" u="sng" dirty="0">
-                <a:hlinkClick r:id="rId6"/>
-              </a:rPr>
-              <a:t>http://www.school.kotar.co.il/kotarapp/index/Book.aspx?nBookID=94920013</a:t>
-            </a:r>
-            <a:r>
-              <a:rPr lang="en-US" dirty="0"/>
-              <a:t>. </a:t>
-            </a:r>
-          </a:p>
-          <a:p>
-            <a:pPr marL="0" indent="0" algn="l">
-              <a:buNone/>
-            </a:pPr>
-            <a:r>
-              <a:rPr lang="en-US" dirty="0"/>
-              <a:t>-We used this book to acquire basic information about our hardware devices and their electrical connection.</a:t>
-            </a:r>
-          </a:p>
-          <a:p>
-            <a:pPr marL="0" indent="0" algn="l">
-              <a:buNone/>
-            </a:pPr>
-            <a:r>
-              <a:rPr lang="en-US" dirty="0"/>
-              <a:t> </a:t>
-            </a:r>
-          </a:p>
-          <a:p>
-            <a:pPr marL="0" indent="0" algn="l">
-              <a:buNone/>
-            </a:pPr>
-            <a:r>
-              <a:rPr lang="en-US" dirty="0"/>
-              <a:t>Python Crash Course: A Hands-On, Project-Based Introduction to Programming. </a:t>
-            </a:r>
-          </a:p>
-          <a:p>
-            <a:pPr marL="0" indent="0" algn="l">
-              <a:buNone/>
-            </a:pPr>
-            <a:r>
-              <a:rPr lang="en-US" dirty="0"/>
-              <a:t>- Excellent learning book. Guide to learn Python language in a quick, efficient and convenient.</a:t>
-            </a:r>
-          </a:p>
-          <a:p>
-            <a:endParaRPr lang="he-IL" dirty="0"/>
+              <a:t>) לתזמון נכון והצלחנו לקבל תוצאות כמו שציפינו. צריבה של מערכת ההפעלה על גבי הלוח, יצירת בסיס נתונים בצד השרת.</a:t>
+            </a:r>
+            <a:endParaRPr lang="x-none" dirty="0"/>
+          </a:p>
+          <a:p>
+            <a:endParaRPr lang="en-IL" dirty="0"/>
           </a:p>
         </p:txBody>
       </p:sp>
     </p:spTree>
     <p:extLst>
       <p:ext uri="{BB962C8B-B14F-4D97-AF65-F5344CB8AC3E}">
-        <p14:creationId xmlns:p14="http://schemas.microsoft.com/office/powerpoint/2010/main" val="3379288918"/>
+        <p14:creationId xmlns:p14="http://schemas.microsoft.com/office/powerpoint/2010/main" val="177357249"/>
       </p:ext>
     </p:extLst>
   </p:cSld>
@@ -5117,7 +5105,418 @@
           <a:lstStyle/>
           <a:p>
             <a:r>
+              <a:rPr lang="he-IL" b="1" u="sng" dirty="0">
+                <a:solidFill>
+                  <a:srgbClr val="00B050"/>
+                </a:solidFill>
+              </a:rPr>
+              <a:t>קישורים</a:t>
+            </a:r>
+          </a:p>
+        </p:txBody>
+      </p:sp>
+      <p:sp>
+        <p:nvSpPr>
+          <p:cNvPr id="3" name="מציין מיקום תוכן 2"/>
+          <p:cNvSpPr>
+            <a:spLocks noGrp="1"/>
+          </p:cNvSpPr>
+          <p:nvPr>
+            <p:ph idx="1"/>
+          </p:nvPr>
+        </p:nvSpPr>
+        <p:spPr/>
+        <p:txBody>
+          <a:bodyPr/>
+          <a:lstStyle/>
+          <a:p>
+            <a:pPr marL="914400" lvl="2" indent="0" algn="l">
+              <a:buNone/>
+            </a:pPr>
+            <a:r>
+              <a:rPr lang="en-US" sz="3200" b="1" u="sng" dirty="0">
+                <a:solidFill>
+                  <a:schemeClr val="tx2"/>
+                </a:solidFill>
+              </a:rPr>
+              <a:t>Github:</a:t>
+            </a:r>
+          </a:p>
+          <a:p>
+            <a:pPr marL="0" indent="0" algn="l">
+              <a:buNone/>
+            </a:pPr>
+            <a:r>
+              <a:rPr lang="en-US" dirty="0">
+                <a:solidFill>
+                  <a:schemeClr val="tx1"/>
+                </a:solidFill>
+              </a:rPr>
+              <a:t>https://github.com/drorruss/Final_Project</a:t>
+            </a:r>
+          </a:p>
+          <a:p>
+            <a:pPr marL="0" indent="0" algn="l">
+              <a:buNone/>
+            </a:pPr>
+            <a:r>
+              <a:rPr lang="en-US" b="1" u="sng" dirty="0">
+                <a:solidFill>
+                  <a:schemeClr val="tx2"/>
+                </a:solidFill>
+              </a:rPr>
+              <a:t>Youtube:</a:t>
+            </a:r>
+          </a:p>
+          <a:p>
+            <a:pPr marL="0" indent="0" algn="l">
+              <a:buNone/>
+            </a:pPr>
+            <a:r>
+              <a:rPr lang="en-US" dirty="0">
+                <a:solidFill>
+                  <a:schemeClr val="tx1"/>
+                </a:solidFill>
+              </a:rPr>
+              <a:t>https://www.youtube.com/watch?v=by_GR2tYN24&amp;t=15s</a:t>
+            </a:r>
+            <a:endParaRPr lang="he-IL" dirty="0">
+              <a:solidFill>
+                <a:schemeClr val="tx1"/>
+              </a:solidFill>
+            </a:endParaRPr>
+          </a:p>
+          <a:p>
+            <a:pPr marL="0" indent="0" algn="l">
+              <a:buNone/>
+            </a:pPr>
+            <a:r>
+              <a:rPr lang="en-US" b="1" u="sng" dirty="0">
+                <a:solidFill>
+                  <a:schemeClr val="tx2"/>
+                </a:solidFill>
+              </a:rPr>
+              <a:t>Model</a:t>
+            </a:r>
+            <a:r>
+              <a:rPr lang="en-US" b="1" u="sng" dirty="0">
+                <a:solidFill>
+                  <a:srgbClr val="C00000"/>
+                </a:solidFill>
+              </a:rPr>
+              <a:t> </a:t>
+            </a:r>
+            <a:r>
+              <a:rPr lang="en-US" b="1" u="sng" dirty="0">
+                <a:solidFill>
+                  <a:schemeClr val="tx2"/>
+                </a:solidFill>
+              </a:rPr>
+              <a:t>projects:</a:t>
+            </a:r>
+          </a:p>
+          <a:p>
+            <a:pPr marL="0" indent="0" algn="l">
+              <a:buNone/>
+            </a:pPr>
+            <a:r>
+              <a:rPr lang="en-US" dirty="0">
+                <a:solidFill>
+                  <a:schemeClr val="tx1"/>
+                </a:solidFill>
+              </a:rPr>
+              <a:t>http://moodle.ariel.ac.il/mod/assign/view.php?id=8</a:t>
+            </a:r>
+          </a:p>
+          <a:p>
+            <a:endParaRPr lang="he-IL" dirty="0"/>
+          </a:p>
+        </p:txBody>
+      </p:sp>
+    </p:spTree>
+    <p:extLst>
+      <p:ext uri="{BB962C8B-B14F-4D97-AF65-F5344CB8AC3E}">
+        <p14:creationId xmlns:p14="http://schemas.microsoft.com/office/powerpoint/2010/main" val="1870503591"/>
+      </p:ext>
+    </p:extLst>
+  </p:cSld>
+  <p:clrMapOvr>
+    <a:masterClrMapping/>
+  </p:clrMapOvr>
+</p:sld>
+</file>
+
+<file path=ppt/slides/slide22.xml><?xml version="1.0" encoding="utf-8"?>
+<p:sld xmlns:a="http://schemas.openxmlformats.org/drawingml/2006/main" xmlns:r="http://schemas.openxmlformats.org/officeDocument/2006/relationships" xmlns:p="http://schemas.openxmlformats.org/presentationml/2006/main">
+  <p:cSld>
+    <p:spTree>
+      <p:nvGrpSpPr>
+        <p:cNvPr id="1" name=""/>
+        <p:cNvGrpSpPr/>
+        <p:nvPr/>
+      </p:nvGrpSpPr>
+      <p:grpSpPr>
+        <a:xfrm>
+          <a:off x="0" y="0"/>
+          <a:ext cx="0" cy="0"/>
+          <a:chOff x="0" y="0"/>
+          <a:chExt cx="0" cy="0"/>
+        </a:xfrm>
+      </p:grpSpPr>
+      <p:sp>
+        <p:nvSpPr>
+          <p:cNvPr id="2" name="כותרת 1"/>
+          <p:cNvSpPr>
+            <a:spLocks noGrp="1"/>
+          </p:cNvSpPr>
+          <p:nvPr>
+            <p:ph type="title"/>
+          </p:nvPr>
+        </p:nvSpPr>
+        <p:spPr/>
+        <p:txBody>
+          <a:bodyPr/>
+          <a:lstStyle/>
+          <a:p>
+            <a:r>
+              <a:rPr lang="he-IL" b="1" u="sng" dirty="0">
+                <a:solidFill>
+                  <a:srgbClr val="00B050"/>
+                </a:solidFill>
+              </a:rPr>
+              <a:t>סקר ספרות</a:t>
+            </a:r>
+          </a:p>
+        </p:txBody>
+      </p:sp>
+      <p:sp>
+        <p:nvSpPr>
+          <p:cNvPr id="3" name="מציין מיקום תוכן 2"/>
+          <p:cNvSpPr>
+            <a:spLocks noGrp="1"/>
+          </p:cNvSpPr>
+          <p:nvPr>
+            <p:ph idx="1"/>
+          </p:nvPr>
+        </p:nvSpPr>
+        <p:spPr/>
+        <p:txBody>
+          <a:bodyPr>
+            <a:normAutofit fontScale="47500" lnSpcReduction="20000"/>
+          </a:bodyPr>
+          <a:lstStyle/>
+          <a:p>
+            <a:pPr marL="3657600" lvl="8" indent="0" algn="l">
+              <a:buNone/>
+            </a:pPr>
+            <a:r>
+              <a:rPr lang="en-US" sz="3400" b="1" u="sng" dirty="0"/>
+              <a:t>Academic papers:</a:t>
+            </a:r>
+            <a:endParaRPr lang="en-US" sz="3400" dirty="0"/>
+          </a:p>
+          <a:p>
+            <a:pPr marL="0" indent="0" algn="l">
+              <a:buNone/>
+            </a:pPr>
+            <a:r>
+              <a:rPr lang="en-US" dirty="0"/>
+              <a:t> </a:t>
+            </a:r>
+          </a:p>
+          <a:p>
+            <a:pPr marL="0" indent="0" algn="l">
+              <a:buNone/>
+            </a:pPr>
+            <a:r>
+              <a:rPr lang="en-US" dirty="0"/>
+              <a:t> Hendrickson, Chris; Tung, Au (2008). </a:t>
+            </a:r>
+            <a:r>
+              <a:rPr lang="en-US" u="sng" dirty="0">
+                <a:hlinkClick r:id="rId2"/>
+              </a:rPr>
+              <a:t>"11. Advanced Scheduling Techniques"</a:t>
+            </a:r>
+            <a:r>
+              <a:rPr lang="en-US" dirty="0"/>
+              <a:t>. </a:t>
+            </a:r>
+            <a:r>
+              <a:rPr lang="en-US" u="sng" dirty="0">
+                <a:hlinkClick r:id="rId3"/>
+              </a:rPr>
+              <a:t>Project Management for Construction</a:t>
+            </a:r>
+            <a:r>
+              <a:rPr lang="en-US" dirty="0"/>
+              <a:t>. cmu.edu (2.2 ed.). Prentice Hall. </a:t>
+            </a:r>
+            <a:r>
+              <a:rPr lang="en-US" u="sng" dirty="0">
+                <a:hlinkClick r:id="rId4" tooltip="International Standard Book Number"/>
+              </a:rPr>
+              <a:t>ISBN</a:t>
+            </a:r>
+            <a:r>
+              <a:rPr lang="en-US" dirty="0"/>
+              <a:t> </a:t>
+            </a:r>
+            <a:r>
+              <a:rPr lang="en-US" u="sng" dirty="0">
+                <a:hlinkClick r:id="rId5" tooltip="Special:BookSources/0-13-731266-0"/>
+              </a:rPr>
+              <a:t>0-13-731266-0</a:t>
+            </a:r>
+            <a:r>
+              <a:rPr lang="en-US" dirty="0"/>
+              <a:t>. Retrieved October 27, 2011.</a:t>
+            </a:r>
+          </a:p>
+          <a:p>
+            <a:pPr marL="0" indent="0" algn="l">
+              <a:buNone/>
+            </a:pPr>
+            <a:r>
+              <a:rPr lang="en-US" dirty="0"/>
+              <a:t>-We used this article to gain knowledge of building a PERT or CPM (Critical Path Method) diagram and understand its meaning. It's easier to understand the algorithm according to this chart.</a:t>
+            </a:r>
+          </a:p>
+          <a:p>
+            <a:pPr algn="l"/>
+            <a:endParaRPr lang="en-US" b="1" u="sng" dirty="0"/>
+          </a:p>
+          <a:p>
+            <a:pPr marL="0" indent="0" algn="l">
+              <a:buNone/>
+            </a:pPr>
+            <a:r>
+              <a:rPr lang="en-US" b="1" u="sng" dirty="0"/>
+              <a:t>Books:</a:t>
+            </a:r>
+            <a:endParaRPr lang="en-US" dirty="0"/>
+          </a:p>
+          <a:p>
+            <a:pPr marL="0" indent="0" algn="l">
+              <a:buNone/>
+            </a:pPr>
+            <a:r>
               <a:rPr lang="he-IL" dirty="0"/>
+              <a:t> </a:t>
+            </a:r>
+            <a:endParaRPr lang="en-US" dirty="0"/>
+          </a:p>
+          <a:p>
+            <a:pPr marL="0" indent="0" algn="l">
+              <a:buNone/>
+            </a:pPr>
+            <a:r>
+              <a:rPr lang="en-US" dirty="0"/>
+              <a:t>Basic book of Electrical Engineering: </a:t>
+            </a:r>
+            <a:r>
+              <a:rPr lang="en-US" u="sng" dirty="0">
+                <a:hlinkClick r:id="rId6"/>
+              </a:rPr>
+              <a:t>http://www.school.kotar.co.il/kotarapp/index/Book.aspx?nBookID=94920013</a:t>
+            </a:r>
+            <a:r>
+              <a:rPr lang="en-US" dirty="0"/>
+              <a:t>. </a:t>
+            </a:r>
+          </a:p>
+          <a:p>
+            <a:pPr marL="0" indent="0" algn="l">
+              <a:buNone/>
+            </a:pPr>
+            <a:r>
+              <a:rPr lang="en-US" dirty="0"/>
+              <a:t>-We used this book to acquire basic information about our hardware devices and their electrical connection.</a:t>
+            </a:r>
+          </a:p>
+          <a:p>
+            <a:pPr marL="0" indent="0" algn="l">
+              <a:buNone/>
+            </a:pPr>
+            <a:r>
+              <a:rPr lang="en-US" dirty="0"/>
+              <a:t> </a:t>
+            </a:r>
+          </a:p>
+          <a:p>
+            <a:pPr marL="0" indent="0" algn="l">
+              <a:buNone/>
+            </a:pPr>
+            <a:r>
+              <a:rPr lang="en-US" dirty="0"/>
+              <a:t>Python Crash Course: A Hands-On, Project-Based Introduction to Programming. </a:t>
+            </a:r>
+          </a:p>
+          <a:p>
+            <a:pPr marL="0" indent="0" algn="l">
+              <a:buNone/>
+            </a:pPr>
+            <a:r>
+              <a:rPr lang="en-US" dirty="0"/>
+              <a:t>- Excellent learning book. Guide to learn Python language in a quick, efficient and convenient.</a:t>
+            </a:r>
+          </a:p>
+          <a:p>
+            <a:endParaRPr lang="he-IL" dirty="0"/>
+          </a:p>
+        </p:txBody>
+      </p:sp>
+    </p:spTree>
+    <p:extLst>
+      <p:ext uri="{BB962C8B-B14F-4D97-AF65-F5344CB8AC3E}">
+        <p14:creationId xmlns:p14="http://schemas.microsoft.com/office/powerpoint/2010/main" val="3379288918"/>
+      </p:ext>
+    </p:extLst>
+  </p:cSld>
+  <p:clrMapOvr>
+    <a:masterClrMapping/>
+  </p:clrMapOvr>
+</p:sld>
+</file>
+
+<file path=ppt/slides/slide23.xml><?xml version="1.0" encoding="utf-8"?>
+<p:sld xmlns:a="http://schemas.openxmlformats.org/drawingml/2006/main" xmlns:r="http://schemas.openxmlformats.org/officeDocument/2006/relationships" xmlns:p="http://schemas.openxmlformats.org/presentationml/2006/main">
+  <p:cSld>
+    <p:spTree>
+      <p:nvGrpSpPr>
+        <p:cNvPr id="1" name=""/>
+        <p:cNvGrpSpPr/>
+        <p:nvPr/>
+      </p:nvGrpSpPr>
+      <p:grpSpPr>
+        <a:xfrm>
+          <a:off x="0" y="0"/>
+          <a:ext cx="0" cy="0"/>
+          <a:chOff x="0" y="0"/>
+          <a:chExt cx="0" cy="0"/>
+        </a:xfrm>
+      </p:grpSpPr>
+      <p:sp>
+        <p:nvSpPr>
+          <p:cNvPr id="2" name="כותרת 1"/>
+          <p:cNvSpPr>
+            <a:spLocks noGrp="1"/>
+          </p:cNvSpPr>
+          <p:nvPr>
+            <p:ph type="title"/>
+          </p:nvPr>
+        </p:nvSpPr>
+        <p:spPr/>
+        <p:txBody>
+          <a:bodyPr/>
+          <a:lstStyle/>
+          <a:p>
+            <a:r>
+              <a:rPr lang="he-IL" b="1" u="sng" dirty="0">
+                <a:solidFill>
+                  <a:srgbClr val="00B050"/>
+                </a:solidFill>
+              </a:rPr>
               <a:t>סקר ספרות- המשך</a:t>
             </a:r>
           </a:p>
@@ -5349,7 +5748,11 @@
           <a:lstStyle/>
           <a:p>
             <a:r>
-              <a:rPr lang="he-IL" dirty="0"/>
+              <a:rPr lang="he-IL" b="1" u="sng" dirty="0">
+                <a:solidFill>
+                  <a:srgbClr val="00B050"/>
+                </a:solidFill>
+              </a:rPr>
               <a:t>רקע- המשך</a:t>
             </a:r>
           </a:p>
@@ -5368,45 +5771,37 @@
         <p:spPr/>
         <p:txBody>
           <a:bodyPr>
-            <a:normAutofit lnSpcReduction="10000"/>
+            <a:normAutofit/>
           </a:bodyPr>
           <a:lstStyle/>
           <a:p>
             <a:r>
-              <a:rPr lang="he-IL" dirty="0"/>
+              <a:rPr lang="he-IL" sz="2700" dirty="0"/>
               <a:t>המימוש יתבצע בשפת </a:t>
             </a:r>
             <a:r>
-              <a:rPr lang="en-US" dirty="0"/>
+              <a:rPr lang="en-US" sz="2700" dirty="0"/>
               <a:t>Python</a:t>
             </a:r>
             <a:r>
-              <a:rPr lang="he-IL" dirty="0"/>
+              <a:rPr lang="he-IL" sz="2700" dirty="0"/>
               <a:t> לסנכרון המודולים השונים.</a:t>
             </a:r>
-            <a:endParaRPr lang="en-US" dirty="0"/>
-          </a:p>
-          <a:p>
-            <a:r>
-              <a:rPr lang="he-IL" dirty="0"/>
-              <a:t>אנחנו מקווים להפיק תועלת משנית מהפרויקט על ידי ניצול </a:t>
-            </a:r>
-            <a:r>
-              <a:rPr lang="he-IL" dirty="0" err="1"/>
-              <a:t>תוכנית</a:t>
-            </a:r>
-            <a:r>
-              <a:rPr lang="he-IL" dirty="0"/>
-              <a:t> הלימודים. במיוחד מהקורסים הבאים: מסדי נתונים, מבנה תוכנה, מבנה נתונים ואלגוריתמים.</a:t>
-            </a:r>
-            <a:endParaRPr lang="en-US" dirty="0"/>
-          </a:p>
-          <a:p>
-            <a:r>
-              <a:rPr lang="he-IL" dirty="0"/>
+            <a:endParaRPr lang="en-US" sz="2700" dirty="0"/>
+          </a:p>
+          <a:p>
+            <a:r>
+              <a:rPr lang="he-IL" sz="2700" dirty="0"/>
+              <a:t>הפקנו תועלת משנית מהפרויקט על ידי ניצול תכנית הלימודים. במיוחד מהקורסים הבאים: מסדי נתונים, מבנה תוכנה, מבנה נתונים ואלגוריתמים.</a:t>
+            </a:r>
+            <a:endParaRPr lang="en-US" sz="2700" dirty="0"/>
+          </a:p>
+          <a:p>
+            <a:r>
+              <a:rPr lang="he-IL" sz="2700" dirty="0"/>
               <a:t>במידה ונרצה בעתיד למסחר את המערכת, יהיה צורך להעביר את המוצר בתהליך הכשרה ומתן תו תקן והיתר שימוש.</a:t>
             </a:r>
-            <a:endParaRPr lang="en-US" dirty="0"/>
+            <a:endParaRPr lang="en-US" sz="2700" dirty="0"/>
           </a:p>
           <a:p>
             <a:endParaRPr lang="he-IL" dirty="0"/>
@@ -5445,7 +5840,13 @@
       </p:grpSpPr>
       <p:sp>
         <p:nvSpPr>
-          <p:cNvPr id="2" name="כותרת 1"/>
+          <p:cNvPr id="2" name="Title 1">
+            <a:extLst>
+              <a:ext uri="{FF2B5EF4-FFF2-40B4-BE49-F238E27FC236}">
+                <a16:creationId xmlns:a16="http://schemas.microsoft.com/office/drawing/2014/main" id="{711D9420-6735-4117-9046-E766171C7AEC}"/>
+              </a:ext>
+            </a:extLst>
+          </p:cNvPr>
           <p:cNvSpPr>
             <a:spLocks noGrp="1"/>
           </p:cNvSpPr>
@@ -5459,15 +5860,30 @@
           <a:lstStyle/>
           <a:p>
             <a:r>
-              <a:rPr lang="he-IL" dirty="0"/>
-              <a:t>מוטיבציה</a:t>
-            </a:r>
-          </a:p>
-        </p:txBody>
-      </p:sp>
-      <p:sp>
-        <p:nvSpPr>
-          <p:cNvPr id="3" name="מציין מיקום תוכן 2"/>
+              <a:rPr lang="he-IL" b="1" u="sng" dirty="0">
+                <a:solidFill>
+                  <a:srgbClr val="00B050"/>
+                </a:solidFill>
+              </a:rPr>
+              <a:t>המצב כיום</a:t>
+            </a:r>
+            <a:endParaRPr lang="en-IL" b="1" u="sng" dirty="0">
+              <a:solidFill>
+                <a:srgbClr val="00B050"/>
+              </a:solidFill>
+            </a:endParaRPr>
+          </a:p>
+        </p:txBody>
+      </p:sp>
+      <p:sp>
+        <p:nvSpPr>
+          <p:cNvPr id="3" name="Content Placeholder 2">
+            <a:extLst>
+              <a:ext uri="{FF2B5EF4-FFF2-40B4-BE49-F238E27FC236}">
+                <a16:creationId xmlns:a16="http://schemas.microsoft.com/office/drawing/2014/main" id="{0887367F-4C6B-45E8-A795-EB825F8A5555}"/>
+              </a:ext>
+            </a:extLst>
+          </p:cNvPr>
           <p:cNvSpPr>
             <a:spLocks noGrp="1"/>
           </p:cNvSpPr>
@@ -5477,38 +5893,8 @@
         </p:nvSpPr>
         <p:spPr/>
         <p:txBody>
-          <a:bodyPr>
-            <a:normAutofit fontScale="77500" lnSpcReduction="20000"/>
-          </a:bodyPr>
-          <a:lstStyle/>
-          <a:p>
-            <a:r>
-              <a:rPr lang="he-IL" dirty="0"/>
-              <a:t>מטרת </a:t>
-            </a:r>
-            <a:r>
-              <a:rPr lang="he-IL" dirty="0" err="1"/>
-              <a:t>הפרוייקט</a:t>
-            </a:r>
-            <a:r>
-              <a:rPr lang="he-IL" dirty="0"/>
-              <a:t> היא בטחונו של הילוד, נתינת שקט נפשי להורים, חסכון </a:t>
-            </a:r>
-            <a:r>
-              <a:rPr lang="he-IL" dirty="0" err="1"/>
-              <a:t>בכח</a:t>
-            </a:r>
-            <a:r>
-              <a:rPr lang="he-IL" dirty="0"/>
-              <a:t> אדם של אחיות. נרצה לייעל את השירותים שמוצעים כיום על מנת לתת שירות טוב יותר. כמו כן, נאפשר הצגה ושמירה של היסטוריית הנתונים על מנת להצביע על אירועים חריגים וכן בכדי שנוכל לעקוב על ההתקדמויות.</a:t>
-            </a:r>
-          </a:p>
-          <a:p>
-            <a:pPr marL="0" indent="0">
-              <a:buNone/>
-            </a:pPr>
-            <a:endParaRPr lang="he-IL" dirty="0"/>
-          </a:p>
+          <a:bodyPr/>
+          <a:lstStyle/>
           <a:p>
             <a:pPr marL="0" indent="0">
               <a:buNone/>
@@ -5535,23 +5921,14 @@
             </a:r>
           </a:p>
           <a:p>
-            <a:pPr marL="0" lvl="0" indent="0">
-              <a:buNone/>
-            </a:pPr>
-            <a:endParaRPr lang="en-US" dirty="0"/>
-          </a:p>
-          <a:p>
-            <a:endParaRPr lang="en-US" dirty="0"/>
-          </a:p>
-          <a:p>
-            <a:endParaRPr lang="he-IL" dirty="0"/>
+            <a:endParaRPr lang="en-IL" dirty="0"/>
           </a:p>
         </p:txBody>
       </p:sp>
     </p:spTree>
     <p:extLst>
       <p:ext uri="{BB962C8B-B14F-4D97-AF65-F5344CB8AC3E}">
-        <p14:creationId xmlns:p14="http://schemas.microsoft.com/office/powerpoint/2010/main" val="172713418"/>
+        <p14:creationId xmlns:p14="http://schemas.microsoft.com/office/powerpoint/2010/main" val="884094020"/>
       </p:ext>
     </p:extLst>
   </p:cSld>
@@ -5588,37 +5965,120 @@
             <p:ph type="title"/>
           </p:nvPr>
         </p:nvSpPr>
-        <p:spPr/>
+        <p:spPr>
+          <a:xfrm>
+            <a:off x="457200" y="53752"/>
+            <a:ext cx="8229600" cy="1143000"/>
+          </a:xfrm>
+        </p:spPr>
         <p:txBody>
           <a:bodyPr/>
           <a:lstStyle/>
           <a:p>
             <a:r>
+              <a:rPr lang="he-IL" b="1" u="sng" dirty="0">
+                <a:solidFill>
+                  <a:srgbClr val="00B050"/>
+                </a:solidFill>
+              </a:rPr>
+              <a:t>מטרת הפרויקט</a:t>
+            </a:r>
+          </a:p>
+        </p:txBody>
+      </p:sp>
+      <p:sp>
+        <p:nvSpPr>
+          <p:cNvPr id="3" name="מציין מיקום תוכן 2"/>
+          <p:cNvSpPr>
+            <a:spLocks noGrp="1"/>
+          </p:cNvSpPr>
+          <p:nvPr>
+            <p:ph idx="1"/>
+          </p:nvPr>
+        </p:nvSpPr>
+        <p:spPr>
+          <a:xfrm>
+            <a:off x="457200" y="1196752"/>
+            <a:ext cx="8229600" cy="4929411"/>
+          </a:xfrm>
+        </p:spPr>
+        <p:txBody>
+          <a:bodyPr>
+            <a:normAutofit/>
+          </a:bodyPr>
+          <a:lstStyle/>
+          <a:p>
+            <a:r>
               <a:rPr lang="he-IL" dirty="0"/>
-              <a:t>רעיון מרכזי</a:t>
-            </a:r>
-          </a:p>
-        </p:txBody>
-      </p:sp>
-      <p:sp>
-        <p:nvSpPr>
-          <p:cNvPr id="3" name="מציין מיקום תוכן 2"/>
-          <p:cNvSpPr>
-            <a:spLocks noGrp="1"/>
-          </p:cNvSpPr>
-          <p:nvPr>
-            <p:ph idx="1"/>
-          </p:nvPr>
-        </p:nvSpPr>
-        <p:spPr/>
-        <p:txBody>
-          <a:bodyPr/>
-          <a:lstStyle/>
+              <a:t>אבטחתו של הילוד ,עדכון על מצבו הנוכחי בכל עת להורים ולצוות הרפואי.</a:t>
+            </a:r>
+          </a:p>
           <a:p>
             <a:r>
               <a:rPr lang="he-IL" dirty="0"/>
-              <a:t>המערכת תאפשר התרעה מיידית לאחות ולהורים, על כל מצב חריג של היילוד המתבטא בדופק, טמפרטורה או לחות חריגים. כמו כן, המערכת תכניס את האירועים למסד נתונים על מנת לאפשר גישה אליהם וניתוחן בזמן אמת. המערכת הינה מערכת חכמה, אדפטיבית - הלומדת את מצב הילוד לפי הנתונים המתקבלים ומתריעה בהתאם לצרכיו.</a:t>
-            </a:r>
+              <a:t>חסכון בכוח אדם. </a:t>
+            </a:r>
+            <a:endParaRPr lang="x-none" dirty="0"/>
+          </a:p>
+          <a:p>
+            <a:r>
+              <a:rPr lang="he-IL" dirty="0"/>
+              <a:t>נתינת מענה מיידי על ידי הגעה לילוד הנכון</a:t>
+            </a:r>
+            <a:r>
+              <a:rPr lang="en-US" dirty="0"/>
+              <a:t>.</a:t>
+            </a:r>
+            <a:r>
+              <a:rPr lang="he-IL" dirty="0"/>
+              <a:t> נעשה על ידי רכיב </a:t>
+            </a:r>
+            <a:r>
+              <a:rPr lang="en-US" dirty="0"/>
+              <a:t>GPS</a:t>
+            </a:r>
+            <a:r>
+              <a:rPr lang="he-IL" dirty="0"/>
+              <a:t> בלוח. </a:t>
+            </a:r>
+            <a:endParaRPr lang="x-none" dirty="0"/>
+          </a:p>
+          <a:p>
+            <a:r>
+              <a:rPr lang="he-IL" dirty="0"/>
+              <a:t>בנוסף את אפליקציה זו ניתן</a:t>
+            </a:r>
+            <a:r>
+              <a:rPr lang="en-US" dirty="0"/>
+              <a:t> </a:t>
+            </a:r>
+            <a:r>
+              <a:rPr lang="he-IL" dirty="0"/>
+              <a:t>להשמיש ולייעד </a:t>
+            </a:r>
+            <a:r>
+              <a:rPr lang="en-US" dirty="0"/>
+              <a:t>ג</a:t>
+            </a:r>
+            <a:r>
+              <a:rPr lang="he-IL" dirty="0"/>
+              <a:t>ם לדברים אחרים כגון: מערכת השקיה, חממה, חוות שרתים ועוד. </a:t>
+            </a:r>
+            <a:endParaRPr lang="x-none" dirty="0"/>
+          </a:p>
+          <a:p>
+            <a:pPr marL="0" indent="0">
+              <a:buNone/>
+            </a:pPr>
+            <a:endParaRPr lang="he-IL" dirty="0"/>
+          </a:p>
+          <a:p>
+            <a:pPr marL="0" lvl="0" indent="0">
+              <a:buNone/>
+            </a:pPr>
+            <a:endParaRPr lang="en-US" dirty="0"/>
+          </a:p>
+          <a:p>
             <a:endParaRPr lang="en-US" dirty="0"/>
           </a:p>
           <a:p>
@@ -5629,7 +6089,7 @@
     </p:spTree>
     <p:extLst>
       <p:ext uri="{BB962C8B-B14F-4D97-AF65-F5344CB8AC3E}">
-        <p14:creationId xmlns:p14="http://schemas.microsoft.com/office/powerpoint/2010/main" val="2519914594"/>
+        <p14:creationId xmlns:p14="http://schemas.microsoft.com/office/powerpoint/2010/main" val="172713418"/>
       </p:ext>
     </p:extLst>
   </p:cSld>
@@ -5672,121 +6132,34 @@
           <a:lstStyle/>
           <a:p>
             <a:r>
+              <a:rPr lang="he-IL" b="1" u="sng" dirty="0">
+                <a:solidFill>
+                  <a:srgbClr val="00B050"/>
+                </a:solidFill>
+              </a:rPr>
+              <a:t>רעיון מרכזי</a:t>
+            </a:r>
+          </a:p>
+        </p:txBody>
+      </p:sp>
+      <p:sp>
+        <p:nvSpPr>
+          <p:cNvPr id="3" name="מציין מיקום תוכן 2"/>
+          <p:cNvSpPr>
+            <a:spLocks noGrp="1"/>
+          </p:cNvSpPr>
+          <p:nvPr>
+            <p:ph idx="1"/>
+          </p:nvPr>
+        </p:nvSpPr>
+        <p:spPr/>
+        <p:txBody>
+          <a:bodyPr/>
+          <a:lstStyle/>
+          <a:p>
+            <a:r>
               <a:rPr lang="he-IL" dirty="0"/>
-              <a:t>תיאור המערכת</a:t>
-            </a:r>
-          </a:p>
-        </p:txBody>
-      </p:sp>
-      <p:sp>
-        <p:nvSpPr>
-          <p:cNvPr id="3" name="מציין מיקום תוכן 2"/>
-          <p:cNvSpPr>
-            <a:spLocks noGrp="1"/>
-          </p:cNvSpPr>
-          <p:nvPr>
-            <p:ph idx="1"/>
-          </p:nvPr>
-        </p:nvSpPr>
-        <p:spPr/>
-        <p:txBody>
-          <a:bodyPr>
-            <a:normAutofit fontScale="92500" lnSpcReduction="10000"/>
-          </a:bodyPr>
-          <a:lstStyle/>
-          <a:p>
-            <a:pPr lvl="0"/>
-            <a:r>
-              <a:rPr lang="he-IL" b="1" i="1" dirty="0"/>
-              <a:t>ממשק גרפי</a:t>
-            </a:r>
-            <a:r>
-              <a:rPr lang="he-IL" dirty="0"/>
-              <a:t> - הצגת הנתונים </a:t>
-            </a:r>
-            <a:r>
-              <a:rPr lang="he-IL" dirty="0" err="1"/>
-              <a:t>הרלוונטים</a:t>
-            </a:r>
-            <a:r>
-              <a:rPr lang="he-IL" dirty="0"/>
-              <a:t> שנקלטים מהסנסורים על גבי הפלטפורמה.</a:t>
-            </a:r>
-            <a:endParaRPr lang="en-US" dirty="0"/>
-          </a:p>
-          <a:p>
-            <a:pPr lvl="0"/>
-            <a:r>
-              <a:rPr lang="he-IL" b="1" i="1" dirty="0"/>
-              <a:t>מסד נתונים</a:t>
-            </a:r>
-            <a:r>
-              <a:rPr lang="he-IL" dirty="0"/>
-              <a:t> -  כניסה של כל האירועים לטבלאות מסודרות וברורות. כולל שינוי, מחיקה והוספה ידניים.</a:t>
-            </a:r>
-            <a:endParaRPr lang="en-US" dirty="0"/>
-          </a:p>
-          <a:p>
-            <a:pPr lvl="0"/>
-            <a:r>
-              <a:rPr lang="he-IL" b="1" i="1" dirty="0"/>
-              <a:t>מערכת</a:t>
-            </a:r>
-            <a:r>
-              <a:rPr lang="he-IL" dirty="0"/>
-              <a:t> </a:t>
-            </a:r>
-            <a:r>
-              <a:rPr lang="he-IL" b="1" i="1" dirty="0"/>
-              <a:t>ניהול</a:t>
-            </a:r>
-            <a:r>
-              <a:rPr lang="he-IL" b="1" dirty="0"/>
-              <a:t> </a:t>
-            </a:r>
-            <a:r>
-              <a:rPr lang="he-IL" b="1" i="1" dirty="0"/>
-              <a:t>הודעות</a:t>
-            </a:r>
-            <a:r>
-              <a:rPr lang="he-IL" dirty="0"/>
-              <a:t> – שליחת הודעת מתאימות לאחיות וההורים.</a:t>
-            </a:r>
-            <a:endParaRPr lang="en-US" dirty="0"/>
-          </a:p>
-          <a:p>
-            <a:pPr lvl="0"/>
-            <a:r>
-              <a:rPr lang="he-IL" b="1" i="1" dirty="0"/>
-              <a:t>רכיב עדכון קריטריונים</a:t>
-            </a:r>
-            <a:r>
-              <a:rPr lang="he-IL" dirty="0"/>
-              <a:t> סביבתיים בהתאם לעונה, נורמות, מצב הילוד </a:t>
-            </a:r>
-            <a:r>
-              <a:rPr lang="he-IL" dirty="0" err="1"/>
-              <a:t>וכו</a:t>
-            </a:r>
-            <a:r>
-              <a:rPr lang="he-IL" dirty="0"/>
-              <a:t>'.</a:t>
-            </a:r>
-            <a:endParaRPr lang="en-US" dirty="0"/>
-          </a:p>
-          <a:p>
-            <a:pPr lvl="0"/>
-            <a:r>
-              <a:rPr lang="en-US" dirty="0"/>
-              <a:t> </a:t>
-            </a:r>
-            <a:r>
-              <a:rPr lang="he-IL" b="1" i="1" dirty="0"/>
-              <a:t>הדפסת דוחות</a:t>
-            </a:r>
-            <a:r>
-              <a:rPr lang="he-IL" dirty="0"/>
-              <a:t> לפי הצורך. </a:t>
+              <a:t>המערכת תאפשר התרעה מיידית לאחות ולהורים, על כל מצב חריג של היילוד המתבטא בדופק, טמפרטורה, לחות או גלי קול חריגים. כמו כן, המערכת תכניס את האירועים למסד נתונים על מנת לאפשר גישה אליהם וניתוחן בזמן אמת. המערכת הינה מערכת חכמה, אדפטיבית - הלומדת את מצב הילוד לפי הנתונים המתקבלים ומתריעה בהתאם לצרכיו.</a:t>
             </a:r>
             <a:endParaRPr lang="en-US" dirty="0"/>
           </a:p>
@@ -5798,7 +6171,7 @@
     </p:spTree>
     <p:extLst>
       <p:ext uri="{BB962C8B-B14F-4D97-AF65-F5344CB8AC3E}">
-        <p14:creationId xmlns:p14="http://schemas.microsoft.com/office/powerpoint/2010/main" val="3158177385"/>
+        <p14:creationId xmlns:p14="http://schemas.microsoft.com/office/powerpoint/2010/main" val="2519914594"/>
       </p:ext>
     </p:extLst>
   </p:cSld>
@@ -5841,128 +6214,132 @@
           <a:lstStyle/>
           <a:p>
             <a:r>
+              <a:rPr lang="he-IL" b="1" u="sng" dirty="0">
+                <a:solidFill>
+                  <a:srgbClr val="00B050"/>
+                </a:solidFill>
+              </a:rPr>
+              <a:t>תיאור המערכת</a:t>
+            </a:r>
+          </a:p>
+        </p:txBody>
+      </p:sp>
+      <p:sp>
+        <p:nvSpPr>
+          <p:cNvPr id="3" name="מציין מיקום תוכן 2"/>
+          <p:cNvSpPr>
+            <a:spLocks noGrp="1"/>
+          </p:cNvSpPr>
+          <p:nvPr>
+            <p:ph idx="1"/>
+          </p:nvPr>
+        </p:nvSpPr>
+        <p:spPr>
+          <a:xfrm>
+            <a:off x="179512" y="1600200"/>
+            <a:ext cx="8507288" cy="4525963"/>
+          </a:xfrm>
+        </p:spPr>
+        <p:txBody>
+          <a:bodyPr>
+            <a:normAutofit fontScale="85000" lnSpcReduction="20000"/>
+          </a:bodyPr>
+          <a:lstStyle/>
+          <a:p>
+            <a:pPr lvl="0"/>
+            <a:r>
+              <a:rPr lang="he-IL" b="1" i="1" dirty="0"/>
+              <a:t>ממשק גרפי</a:t>
+            </a:r>
+            <a:r>
               <a:rPr lang="he-IL" dirty="0"/>
-              <a:t>מודולים מרכזיים</a:t>
-            </a:r>
-          </a:p>
-        </p:txBody>
-      </p:sp>
-      <p:sp>
-        <p:nvSpPr>
-          <p:cNvPr id="3" name="מציין מיקום תוכן 2"/>
-          <p:cNvSpPr>
-            <a:spLocks noGrp="1"/>
-          </p:cNvSpPr>
-          <p:nvPr>
-            <p:ph idx="1"/>
-          </p:nvPr>
-        </p:nvSpPr>
-        <p:spPr/>
-        <p:txBody>
-          <a:bodyPr>
-            <a:normAutofit fontScale="62500" lnSpcReduction="20000"/>
-          </a:bodyPr>
-          <a:lstStyle/>
-          <a:p>
+              <a:t> - הצגת הנתונים הרלוונטיים שנקלטים מהסנסורים על גבי הפלטפורמה.</a:t>
+            </a:r>
+            <a:endParaRPr lang="en-US" dirty="0"/>
+          </a:p>
+          <a:p>
+            <a:pPr lvl="0"/>
+            <a:r>
+              <a:rPr lang="he-IL" b="1" i="1" dirty="0"/>
+              <a:t>מסד נתונים</a:t>
+            </a:r>
             <a:r>
               <a:rPr lang="he-IL" dirty="0"/>
-              <a:t>המערכת תכיל את המודולים העיקריים הבאים:</a:t>
+              <a:t> -  כניסה של כל האירועים לטבלאות מסודרות וברורות. כולל שינוי, מחיקה והוספה ידניים.</a:t>
             </a:r>
             <a:endParaRPr lang="en-US" dirty="0"/>
           </a:p>
           <a:p>
             <a:pPr lvl="0"/>
             <a:r>
-              <a:rPr lang="he-IL" u="sng" dirty="0"/>
-              <a:t>תקשורת</a:t>
+              <a:rPr lang="he-IL" b="1" i="1" dirty="0"/>
+              <a:t>מערכת</a:t>
             </a:r>
             <a:r>
               <a:rPr lang="he-IL" dirty="0"/>
-              <a:t>: אינטרנט, </a:t>
-            </a:r>
+              <a:t> </a:t>
+            </a:r>
+            <a:r>
+              <a:rPr lang="he-IL" b="1" i="1" dirty="0"/>
+              <a:t>ניהול</a:t>
+            </a:r>
+            <a:r>
+              <a:rPr lang="he-IL" b="1" dirty="0"/>
+              <a:t> </a:t>
+            </a:r>
+            <a:r>
+              <a:rPr lang="he-IL" b="1" i="1" dirty="0"/>
+              <a:t>הודעות</a:t>
+            </a:r>
+            <a:r>
+              <a:rPr lang="he-IL" dirty="0"/>
+              <a:t> – שליחת הודעת מתאימות לאחיות וההורים.</a:t>
+            </a:r>
+            <a:endParaRPr lang="en-US" dirty="0"/>
+          </a:p>
+          <a:p>
+            <a:pPr lvl="0"/>
+            <a:r>
+              <a:rPr lang="he-IL" b="1" i="1" dirty="0"/>
+              <a:t>רכיב עדכון קריטריונים</a:t>
+            </a:r>
+            <a:r>
+              <a:rPr lang="he-IL" dirty="0"/>
+              <a:t> סביבתיים בהתאם לעונה, נורמות, מצב הילוד </a:t>
+            </a:r>
+            <a:r>
+              <a:rPr lang="he-IL" dirty="0" err="1"/>
+              <a:t>וכו</a:t>
+            </a:r>
+            <a:r>
+              <a:rPr lang="he-IL" dirty="0"/>
+              <a:t>'.</a:t>
+            </a:r>
+          </a:p>
+          <a:p>
+            <a:r>
+              <a:rPr lang="he-IL" b="1" dirty="0"/>
+              <a:t>מיפוי מרחב החיישנים </a:t>
+            </a:r>
+            <a:r>
+              <a:rPr lang="he-IL" dirty="0"/>
+              <a:t>המערכת תראה את מפת פריסת החיישנים המקומית, דבר העוזר להגיע למקום הנכון (מפות גוגל). </a:t>
+            </a:r>
+            <a:endParaRPr lang="en-US" dirty="0"/>
+          </a:p>
+          <a:p>
+            <a:pPr lvl="0"/>
             <a:r>
               <a:rPr lang="en-US" dirty="0"/>
-              <a:t>Wi-Fi</a:t>
+              <a:t> </a:t>
+            </a:r>
+            <a:r>
+              <a:rPr lang="he-IL" b="1" i="1" dirty="0"/>
+              <a:t>הדפסת דוחות</a:t>
             </a:r>
             <a:r>
               <a:rPr lang="he-IL" dirty="0"/>
-              <a:t>, שליחת מידע (מסרונים, </a:t>
-            </a:r>
-            <a:r>
-              <a:rPr lang="en-US" dirty="0" err="1"/>
-              <a:t>Whatsapp</a:t>
-            </a:r>
-            <a:r>
-              <a:rPr lang="he-IL" dirty="0"/>
-              <a:t>): המערכת תחובר לרכיב חומרה של אינטרנט אלחוטי מקומי שתאפשר לשלוח את ההודעות. </a:t>
-            </a:r>
-            <a:endParaRPr lang="en-US" dirty="0"/>
-          </a:p>
-          <a:p>
-            <a:pPr lvl="0"/>
-            <a:r>
-              <a:rPr lang="he-IL" u="sng" dirty="0"/>
-              <a:t>מערכת מסדי נתונים</a:t>
-            </a:r>
-            <a:r>
-              <a:rPr lang="he-IL" dirty="0"/>
-              <a:t>: היסטוריה של אירועים מלווים בנתונים סטטיסטיים בהתאם ליילוד: דופק, טמפרטורה ולחות.</a:t>
-            </a:r>
-            <a:endParaRPr lang="en-US" dirty="0"/>
-          </a:p>
-          <a:p>
-            <a:pPr lvl="0"/>
-            <a:r>
-              <a:rPr lang="he-IL" u="sng" dirty="0"/>
-              <a:t>אלגוריתמים</a:t>
-            </a:r>
-            <a:r>
-              <a:rPr lang="he-IL" dirty="0"/>
-              <a:t>: חישוב הרכב צוות אופטימאלי לאחזקת המערכת (אחיות, וטכנאים), אלגוריתמי הכנסת נתונים אידיאלית למסד נתונים וחישוב תחומי חריגות לפי הקריטריונים המתאימים. </a:t>
-            </a:r>
-            <a:endParaRPr lang="en-US" dirty="0"/>
-          </a:p>
-          <a:p>
-            <a:pPr lvl="0"/>
-            <a:r>
-              <a:rPr lang="he-IL" u="sng" dirty="0"/>
-              <a:t>מיפוי מרחב החיישנים</a:t>
-            </a:r>
-            <a:r>
-              <a:rPr lang="he-IL" dirty="0"/>
-              <a:t>: המערכת תראה את מפת פריסת החיישנים המקומית, דבר העוזר להגיע למקום הנכון. </a:t>
-            </a:r>
-            <a:endParaRPr lang="en-US" dirty="0"/>
-          </a:p>
-          <a:p>
-            <a:pPr lvl="0"/>
-            <a:r>
-              <a:rPr lang="he-IL" u="sng" dirty="0"/>
-              <a:t>בצוע סימולציה</a:t>
-            </a:r>
-            <a:r>
-              <a:rPr lang="he-IL" dirty="0"/>
-              <a:t> לצורך הרצת בדיקות שפיות, פונקציונליות, מערכת, רגרסיה לפני הוצאת הפרויקט לציבור הרחב. </a:t>
-            </a:r>
-            <a:endParaRPr lang="en-US" dirty="0"/>
-          </a:p>
-          <a:p>
-            <a:pPr lvl="0"/>
-            <a:r>
-              <a:rPr lang="he-IL" u="sng" dirty="0"/>
-              <a:t>קביעת קריטריונים</a:t>
-            </a:r>
-            <a:r>
-              <a:rPr lang="he-IL" dirty="0"/>
-              <a:t> למקרי חירום למיניהם כגון: טמפרטורה/לחות מעל סף מסוים או תחום נורמטיבי </a:t>
-            </a:r>
-            <a:r>
-              <a:rPr lang="he-IL" dirty="0" err="1"/>
-              <a:t>מסויים</a:t>
-            </a:r>
-            <a:r>
-              <a:rPr lang="he-IL" dirty="0"/>
-              <a:t> בהתאם ליום הלידה, עונה, אם הוא פג או לא, נורמות סביבתיות, נורמות שהוגדרו על סמך היסטוריית נתונים.</a:t>
+              <a:t> לפי הצורך. </a:t>
             </a:r>
             <a:endParaRPr lang="en-US" dirty="0"/>
           </a:p>
@@ -5974,7 +6351,7 @@
     </p:spTree>
     <p:extLst>
       <p:ext uri="{BB962C8B-B14F-4D97-AF65-F5344CB8AC3E}">
-        <p14:creationId xmlns:p14="http://schemas.microsoft.com/office/powerpoint/2010/main" val="4064901953"/>
+        <p14:creationId xmlns:p14="http://schemas.microsoft.com/office/powerpoint/2010/main" val="3158177385"/>
       </p:ext>
     </p:extLst>
   </p:cSld>
@@ -6011,14 +6388,23 @@
             <p:ph type="title"/>
           </p:nvPr>
         </p:nvSpPr>
-        <p:spPr/>
+        <p:spPr>
+          <a:xfrm>
+            <a:off x="468175" y="0"/>
+            <a:ext cx="8229600" cy="1143000"/>
+          </a:xfrm>
+        </p:spPr>
         <p:txBody>
           <a:bodyPr/>
           <a:lstStyle/>
           <a:p>
             <a:r>
-              <a:rPr lang="he-IL" dirty="0"/>
-              <a:t>דרישות עיקריות</a:t>
+              <a:rPr lang="he-IL" b="1" u="sng" dirty="0">
+                <a:solidFill>
+                  <a:srgbClr val="00B050"/>
+                </a:solidFill>
+              </a:rPr>
+              <a:t>מודולים מרכזיים</a:t>
             </a:r>
           </a:p>
         </p:txBody>
@@ -6033,112 +6419,113 @@
             <p:ph idx="1"/>
           </p:nvPr>
         </p:nvSpPr>
-        <p:spPr/>
+        <p:spPr>
+          <a:xfrm>
+            <a:off x="323527" y="908720"/>
+            <a:ext cx="8374247" cy="4525963"/>
+          </a:xfrm>
+        </p:spPr>
         <p:txBody>
           <a:bodyPr>
-            <a:normAutofit fontScale="70000" lnSpcReduction="20000"/>
+            <a:noAutofit/>
           </a:bodyPr>
           <a:lstStyle/>
           <a:p>
+            <a:r>
+              <a:rPr lang="he-IL" sz="2200" dirty="0"/>
+              <a:t>המערכת תכיל את המודולים העיקריים הבאים:</a:t>
+            </a:r>
+            <a:endParaRPr lang="en-US" sz="2200" dirty="0"/>
+          </a:p>
+          <a:p>
             <a:pPr lvl="0"/>
             <a:r>
-              <a:rPr lang="he-IL" dirty="0"/>
-              <a:t>המערכת תעבוד על גבי החומרה המתאימה, תעבוד באופן רציף וביעילות.</a:t>
-            </a:r>
-            <a:endParaRPr lang="en-US" dirty="0"/>
+              <a:rPr lang="he-IL" sz="2200" u="sng" dirty="0"/>
+              <a:t>תקשורת</a:t>
+            </a:r>
+            <a:r>
+              <a:rPr lang="he-IL" sz="2200" dirty="0"/>
+              <a:t>: אינטרנט, </a:t>
+            </a:r>
+            <a:r>
+              <a:rPr lang="en-US" sz="2200" dirty="0"/>
+              <a:t>Wi-Fi</a:t>
+            </a:r>
+            <a:r>
+              <a:rPr lang="he-IL" sz="2200" dirty="0"/>
+              <a:t>, שליחת מידע (מסרונים): המערכת תחובר לרכיב חומרה של אינטרנט אלחוטי מקומי שתאפשר לשלוח את ההודעות. </a:t>
+            </a:r>
+            <a:endParaRPr lang="en-US" sz="2200" dirty="0"/>
           </a:p>
           <a:p>
             <a:pPr lvl="0"/>
             <a:r>
-              <a:rPr lang="he-IL" dirty="0"/>
-              <a:t>המערכת תתמוך בזיהוי היילודים באופן מאובטח ונוח. </a:t>
-            </a:r>
-            <a:endParaRPr lang="en-US" dirty="0"/>
+              <a:rPr lang="he-IL" sz="2200" u="sng" dirty="0"/>
+              <a:t>מערכת מסדי נתונים</a:t>
+            </a:r>
+            <a:r>
+              <a:rPr lang="he-IL" sz="2200" dirty="0"/>
+              <a:t>: היסטוריה של אירועים מלווים בנתונים סטטיסטיים בהתאם ליילוד: דופק, גלי קול, טמפרטורה ולחות.</a:t>
+            </a:r>
+            <a:endParaRPr lang="en-US" sz="2200" dirty="0"/>
           </a:p>
           <a:p>
             <a:pPr lvl="0"/>
             <a:r>
-              <a:rPr lang="he-IL" dirty="0"/>
-              <a:t>המערכת מחייבת קישוריות לאינטרנט (</a:t>
-            </a:r>
-            <a:r>
-              <a:rPr lang="en-US" dirty="0"/>
-              <a:t>(Wi-Fi</a:t>
-            </a:r>
-            <a:r>
-              <a:rPr lang="he-IL" dirty="0"/>
-              <a:t>.</a:t>
-            </a:r>
-            <a:endParaRPr lang="en-US" dirty="0"/>
+              <a:rPr lang="he-IL" sz="2200" u="sng" dirty="0"/>
+              <a:t>אלגוריתמים</a:t>
+            </a:r>
+            <a:r>
+              <a:rPr lang="he-IL" sz="2200" dirty="0"/>
+              <a:t>: חישוב הרכב צוות אופטימאלי לאחזקת המערכת (אחיות, וטכנאים), אלגוריתמי הכנסת נתונים אידיאלית למסד נתונים וחישוב תחומי חריגות לפי הקריטריונים המתאימים. </a:t>
+            </a:r>
+            <a:endParaRPr lang="en-US" sz="2200" dirty="0"/>
           </a:p>
           <a:p>
             <a:pPr lvl="0"/>
             <a:r>
-              <a:rPr lang="he-IL" dirty="0"/>
-              <a:t>המערכת תאפשר ניתוח תוצאות בזמן אמת והצגתם לפי פרופיל גמיש.</a:t>
-            </a:r>
-            <a:endParaRPr lang="en-US" dirty="0"/>
+              <a:rPr lang="he-IL" sz="2200" u="sng" dirty="0"/>
+              <a:t>מיפוי מרחב החיישנים</a:t>
+            </a:r>
+            <a:r>
+              <a:rPr lang="he-IL" sz="2200" dirty="0"/>
+              <a:t>: המערכת תראה את מפת פריסת החיישנים המקומית, דבר העוזר להגיע למקום הנכון. </a:t>
+            </a:r>
+            <a:endParaRPr lang="en-US" sz="2200" dirty="0"/>
           </a:p>
           <a:p>
             <a:pPr lvl="0"/>
             <a:r>
-              <a:rPr lang="he-IL" dirty="0"/>
-              <a:t>כלל התוצאות תשמרנה בבסיס נתונים מאובטח ומגובה בענן</a:t>
-            </a:r>
-            <a:r>
-              <a:rPr lang="en-US" dirty="0"/>
-              <a:t>.</a:t>
-            </a:r>
+              <a:rPr lang="he-IL" sz="2200" u="sng" dirty="0"/>
+              <a:t>בצוע סימולציה</a:t>
+            </a:r>
+            <a:r>
+              <a:rPr lang="he-IL" sz="2200" dirty="0"/>
+              <a:t> לצורך הרצת בדיקות שפיות, פונקציונליות, מערכת, רגרסיה לפני הוצאת הפרויקט לציבור הרחב. </a:t>
+            </a:r>
+            <a:endParaRPr lang="en-US" sz="2200" dirty="0"/>
           </a:p>
           <a:p>
             <a:pPr lvl="0"/>
             <a:r>
-              <a:rPr lang="he-IL" dirty="0"/>
-              <a:t>המערכת תהיה קלה ופשוטה לפיתוח ותאפשר הגעה לגרסה ראשונית בזמן קצר ובעלות נמוכה.</a:t>
-            </a:r>
-            <a:endParaRPr lang="en-US" dirty="0"/>
-          </a:p>
-          <a:p>
-            <a:pPr lvl="0"/>
-            <a:r>
-              <a:rPr lang="he-IL" dirty="0"/>
-              <a:t>המערכת תשלח התרעה של הודעות בזמן אמת לגורמים </a:t>
-            </a:r>
-            <a:r>
-              <a:rPr lang="he-IL" dirty="0" err="1"/>
-              <a:t>הרלוונטים</a:t>
-            </a:r>
-            <a:r>
-              <a:rPr lang="he-IL" dirty="0"/>
-              <a:t>. </a:t>
-            </a:r>
-            <a:endParaRPr lang="en-US" dirty="0"/>
-          </a:p>
-          <a:p>
-            <a:pPr lvl="0"/>
-            <a:r>
-              <a:rPr lang="he-IL" dirty="0"/>
-              <a:t>המערכת תהיה פשוטה וקלה לתפעול על ידי האחיות. ניתן יהיה על ידי חפיפה קצרה להבין את תפעול המערכת. </a:t>
-            </a:r>
-            <a:endParaRPr lang="en-US" dirty="0"/>
-          </a:p>
-          <a:p>
-            <a:pPr lvl="0"/>
-            <a:r>
-              <a:rPr lang="he-IL" dirty="0"/>
-              <a:t>המערכת תלווה בתיעוד ממצה וקל להבנה.</a:t>
-            </a:r>
-            <a:endParaRPr lang="en-US" dirty="0"/>
-          </a:p>
-          <a:p>
-            <a:endParaRPr lang="he-IL" dirty="0"/>
+              <a:rPr lang="he-IL" sz="2200" u="sng" dirty="0"/>
+              <a:t>קביעת קריטריונים</a:t>
+            </a:r>
+            <a:r>
+              <a:rPr lang="he-IL" sz="2200" dirty="0"/>
+              <a:t> למקרי חירום למיניהם כגון: טמפרטורה/לחות מעל סף מסוים או תחום נורמטיבי מסוים בהתאם ליום הלידה, עונה, אם הוא פג או לא, נורמות סביבתיות, נורמות שהוגדרו על סמך היסטוריית נתונים.</a:t>
+            </a:r>
+            <a:endParaRPr lang="en-US" sz="2200" dirty="0"/>
+          </a:p>
+          <a:p>
+            <a:endParaRPr lang="he-IL" sz="2200" dirty="0"/>
           </a:p>
         </p:txBody>
       </p:sp>
     </p:spTree>
     <p:extLst>
       <p:ext uri="{BB962C8B-B14F-4D97-AF65-F5344CB8AC3E}">
-        <p14:creationId xmlns:p14="http://schemas.microsoft.com/office/powerpoint/2010/main" val="2851097637"/>
+        <p14:creationId xmlns:p14="http://schemas.microsoft.com/office/powerpoint/2010/main" val="4064901953"/>
       </p:ext>
     </p:extLst>
   </p:cSld>
@@ -6175,14 +6562,23 @@
             <p:ph type="title"/>
           </p:nvPr>
         </p:nvSpPr>
-        <p:spPr/>
+        <p:spPr>
+          <a:xfrm>
+            <a:off x="457200" y="-243408"/>
+            <a:ext cx="8229600" cy="1143000"/>
+          </a:xfrm>
+        </p:spPr>
         <p:txBody>
           <a:bodyPr/>
           <a:lstStyle/>
           <a:p>
             <a:r>
-              <a:rPr lang="he-IL" dirty="0"/>
-              <a:t>צד החומרה במערכת</a:t>
+              <a:rPr lang="he-IL" b="1" u="sng" dirty="0">
+                <a:solidFill>
+                  <a:srgbClr val="00B050"/>
+                </a:solidFill>
+              </a:rPr>
+              <a:t>דרישות עיקריות</a:t>
             </a:r>
           </a:p>
         </p:txBody>
@@ -6197,119 +6593,145 @@
             <p:ph idx="1"/>
           </p:nvPr>
         </p:nvSpPr>
-        <p:spPr/>
+        <p:spPr>
+          <a:xfrm>
+            <a:off x="457200" y="980728"/>
+            <a:ext cx="8229600" cy="4925144"/>
+          </a:xfrm>
+        </p:spPr>
         <p:txBody>
           <a:bodyPr>
-            <a:normAutofit fontScale="92500" lnSpcReduction="20000"/>
+            <a:noAutofit/>
           </a:bodyPr>
           <a:lstStyle/>
           <a:p>
-            <a:pPr marL="0" indent="0">
-              <a:buNone/>
+            <a:pPr lvl="0">
+              <a:lnSpc>
+                <a:spcPct val="170000"/>
+              </a:lnSpc>
             </a:pPr>
-            <a:endParaRPr lang="en-US" dirty="0"/>
-          </a:p>
-          <a:p>
-            <a:pPr lvl="0"/>
-            <a:r>
-              <a:rPr lang="he-IL" b="1" dirty="0" err="1"/>
-              <a:t>רספברי</a:t>
-            </a:r>
-            <a:r>
-              <a:rPr lang="he-IL" dirty="0"/>
-              <a:t> </a:t>
-            </a:r>
-            <a:r>
-              <a:rPr lang="he-IL" b="1" dirty="0"/>
-              <a:t>פאי</a:t>
-            </a:r>
-            <a:r>
-              <a:rPr lang="he-IL" dirty="0"/>
-              <a:t>: אנו נשתמש בגרסה ה- 2 שלו מודל </a:t>
-            </a:r>
-            <a:r>
-              <a:rPr lang="en-US" dirty="0"/>
-              <a:t>B+</a:t>
-            </a:r>
-            <a:r>
-              <a:rPr lang="he-IL" dirty="0"/>
-              <a:t>. המכשיר הינו מחשב לוח יחיד קטן וזול עם חיבורים מתאימים אשר דרכו יהיה אפשר לסנכרן את החומרה לתוכנת מחשב הרלוונטית. </a:t>
-            </a:r>
-            <a:endParaRPr lang="en-US" dirty="0"/>
-          </a:p>
-          <a:p>
-            <a:pPr lvl="0"/>
-            <a:r>
-              <a:rPr lang="he-IL" dirty="0"/>
-              <a:t> </a:t>
-            </a:r>
-            <a:r>
-              <a:rPr lang="he-IL" b="1" dirty="0"/>
-              <a:t>סנסור טמפרטורה</a:t>
-            </a:r>
-            <a:r>
-              <a:rPr lang="he-IL" dirty="0"/>
-              <a:t>-</a:t>
-            </a:r>
-            <a:r>
-              <a:rPr lang="he-IL" b="1" dirty="0"/>
-              <a:t>לחות: </a:t>
-            </a:r>
-            <a:r>
-              <a:rPr lang="he-IL" dirty="0"/>
-              <a:t>מותאם, </a:t>
-            </a:r>
-            <a:r>
-              <a:rPr lang="he-IL" dirty="0" err="1"/>
-              <a:t>חישן</a:t>
-            </a:r>
-            <a:r>
-              <a:rPr lang="he-IL" dirty="0"/>
-              <a:t> דופק, </a:t>
-            </a:r>
-            <a:r>
-              <a:rPr lang="he-IL" dirty="0" err="1"/>
-              <a:t>חישן</a:t>
-            </a:r>
-            <a:r>
-              <a:rPr lang="he-IL" dirty="0"/>
-              <a:t> רעש.</a:t>
-            </a:r>
-            <a:endParaRPr lang="en-US" dirty="0"/>
-          </a:p>
-          <a:p>
-            <a:pPr lvl="0"/>
-            <a:r>
-              <a:rPr lang="he-IL" b="1" dirty="0"/>
-              <a:t>מטריצת חיבורים:</a:t>
-            </a:r>
-            <a:r>
-              <a:rPr lang="he-IL" dirty="0"/>
-              <a:t> שעליה מולבשים החיישנים.</a:t>
-            </a:r>
-            <a:endParaRPr lang="en-US" dirty="0"/>
-          </a:p>
-          <a:p>
-            <a:pPr lvl="0"/>
-            <a:r>
-              <a:rPr lang="he-IL" b="1" dirty="0"/>
-              <a:t>חומרה אלקטרונית</a:t>
-            </a:r>
-            <a:r>
-              <a:rPr lang="he-IL" dirty="0"/>
-              <a:t>: כבלים של מוליכים, נגדים ונורות. </a:t>
-            </a:r>
-            <a:endParaRPr lang="en-US" dirty="0"/>
-          </a:p>
-          <a:p>
-            <a:endParaRPr lang="he-IL" dirty="0"/>
+            <a:r>
+              <a:rPr lang="he-IL" sz="1800" dirty="0"/>
+              <a:t>המערכת תעבוד על גבי החומרה המתאימה, תעבוד באופן רציף וביעילות.</a:t>
+            </a:r>
+            <a:endParaRPr lang="en-US" sz="1800" dirty="0"/>
+          </a:p>
+          <a:p>
+            <a:pPr lvl="0">
+              <a:lnSpc>
+                <a:spcPct val="170000"/>
+              </a:lnSpc>
+            </a:pPr>
+            <a:r>
+              <a:rPr lang="he-IL" sz="1800" dirty="0"/>
+              <a:t>המערכת תתמוך בזיהוי היילודים באופן מאובטח ונוח. </a:t>
+            </a:r>
+            <a:endParaRPr lang="en-US" sz="1800" dirty="0"/>
+          </a:p>
+          <a:p>
+            <a:pPr lvl="0">
+              <a:lnSpc>
+                <a:spcPct val="170000"/>
+              </a:lnSpc>
+            </a:pPr>
+            <a:r>
+              <a:rPr lang="he-IL" sz="1800" dirty="0"/>
+              <a:t>המערכת מחייבת קישוריות לאינטרנט (</a:t>
+            </a:r>
+            <a:r>
+              <a:rPr lang="en-US" sz="1800" dirty="0"/>
+              <a:t>(Wi-Fi</a:t>
+            </a:r>
+            <a:r>
+              <a:rPr lang="he-IL" sz="1800" dirty="0"/>
+              <a:t>.</a:t>
+            </a:r>
+            <a:endParaRPr lang="en-US" sz="1800" dirty="0"/>
+          </a:p>
+          <a:p>
+            <a:pPr lvl="0">
+              <a:lnSpc>
+                <a:spcPct val="170000"/>
+              </a:lnSpc>
+            </a:pPr>
+            <a:r>
+              <a:rPr lang="he-IL" sz="1800" dirty="0"/>
+              <a:t>המערכת תאפשר ניתוח תוצאות בזמן אמת והצגתם לפי פרופיל גמיש.</a:t>
+            </a:r>
+            <a:endParaRPr lang="en-US" sz="1800" dirty="0"/>
+          </a:p>
+          <a:p>
+            <a:pPr lvl="0">
+              <a:lnSpc>
+                <a:spcPct val="170000"/>
+              </a:lnSpc>
+            </a:pPr>
+            <a:r>
+              <a:rPr lang="he-IL" sz="1800" dirty="0"/>
+              <a:t>כלל התוצאות תשמרנה בבסיס נתונים מאובטח ומגובה בענן</a:t>
+            </a:r>
+            <a:r>
+              <a:rPr lang="en-US" sz="1800" dirty="0"/>
+              <a:t>.</a:t>
+            </a:r>
+          </a:p>
+          <a:p>
+            <a:pPr lvl="0">
+              <a:lnSpc>
+                <a:spcPct val="170000"/>
+              </a:lnSpc>
+            </a:pPr>
+            <a:r>
+              <a:rPr lang="he-IL" sz="1800" dirty="0"/>
+              <a:t>המערכת תהיה קלה ופשוטה לפיתוח ותאפשר הגעה לגרסה ראשונית בזמן קצר ובעלות נמוכה.</a:t>
+            </a:r>
+            <a:endParaRPr lang="en-US" sz="1800" dirty="0"/>
+          </a:p>
+          <a:p>
+            <a:pPr lvl="0">
+              <a:lnSpc>
+                <a:spcPct val="170000"/>
+              </a:lnSpc>
+            </a:pPr>
+            <a:r>
+              <a:rPr lang="he-IL" sz="1800" dirty="0"/>
+              <a:t>המערכת תשלח התרעה של הודעות בזמן אמת לגורמים הרלוונטיים. </a:t>
+            </a:r>
+            <a:endParaRPr lang="en-US" sz="1800" dirty="0"/>
+          </a:p>
+          <a:p>
+            <a:pPr lvl="0">
+              <a:lnSpc>
+                <a:spcPct val="170000"/>
+              </a:lnSpc>
+            </a:pPr>
+            <a:r>
+              <a:rPr lang="he-IL" sz="1800" dirty="0"/>
+              <a:t>המערכת תהיה פשוטה וקלה לתפעול על ידי האחיות. ניתן יהיה על ידי חפיפה קצרה להבין את תפעול המערכת. </a:t>
+            </a:r>
+            <a:endParaRPr lang="en-US" sz="1800" dirty="0"/>
+          </a:p>
+          <a:p>
+            <a:pPr lvl="0">
+              <a:lnSpc>
+                <a:spcPct val="170000"/>
+              </a:lnSpc>
+            </a:pPr>
+            <a:r>
+              <a:rPr lang="he-IL" sz="1800" dirty="0"/>
+              <a:t>המערכת תלווה בתיעוד ממצה וקל להבנה.</a:t>
+            </a:r>
+            <a:endParaRPr lang="en-US" sz="1800" dirty="0"/>
+          </a:p>
+          <a:p>
+            <a:endParaRPr lang="he-IL" sz="1800" dirty="0"/>
           </a:p>
         </p:txBody>
       </p:sp>
     </p:spTree>
     <p:extLst>
       <p:ext uri="{BB962C8B-B14F-4D97-AF65-F5344CB8AC3E}">
-        <p14:creationId xmlns:p14="http://schemas.microsoft.com/office/powerpoint/2010/main" val="2623832888"/>
+        <p14:creationId xmlns:p14="http://schemas.microsoft.com/office/powerpoint/2010/main" val="2851097637"/>
       </p:ext>
     </p:extLst>
   </p:cSld>
